--- a/docs/presentation.pptx
+++ b/docs/presentation.pptx
@@ -5,7 +5,7 @@
     <p:sldMasterId id="2147483648" r:id="rId1"/>
   </p:sldMasterIdLst>
   <p:notesMasterIdLst>
-    <p:notesMasterId r:id="rId76"/>
+    <p:notesMasterId r:id="rId77"/>
   </p:notesMasterIdLst>
   <p:sldIdLst>
     <p:sldId id="294" r:id="rId2"/>
@@ -71,17 +71,18 @@
     <p:sldId id="299" r:id="rId62"/>
     <p:sldId id="340" r:id="rId63"/>
     <p:sldId id="289" r:id="rId64"/>
-    <p:sldId id="270" r:id="rId65"/>
-    <p:sldId id="338" r:id="rId66"/>
-    <p:sldId id="345" r:id="rId67"/>
-    <p:sldId id="341" r:id="rId68"/>
-    <p:sldId id="342" r:id="rId69"/>
-    <p:sldId id="343" r:id="rId70"/>
-    <p:sldId id="344" r:id="rId71"/>
-    <p:sldId id="334" r:id="rId72"/>
-    <p:sldId id="362" r:id="rId73"/>
-    <p:sldId id="333" r:id="rId74"/>
-    <p:sldId id="361" r:id="rId75"/>
+    <p:sldId id="370" r:id="rId65"/>
+    <p:sldId id="270" r:id="rId66"/>
+    <p:sldId id="338" r:id="rId67"/>
+    <p:sldId id="345" r:id="rId68"/>
+    <p:sldId id="341" r:id="rId69"/>
+    <p:sldId id="342" r:id="rId70"/>
+    <p:sldId id="343" r:id="rId71"/>
+    <p:sldId id="344" r:id="rId72"/>
+    <p:sldId id="334" r:id="rId73"/>
+    <p:sldId id="362" r:id="rId74"/>
+    <p:sldId id="333" r:id="rId75"/>
+    <p:sldId id="361" r:id="rId76"/>
   </p:sldIdLst>
   <p:sldSz cx="12192000" cy="6858000"/>
   <p:notesSz cx="6797675" cy="9929813"/>
@@ -7378,21 +7379,7 @@
           <a:p>
             <a:r>
               <a:rPr lang="ru-RU" dirty="0"/>
-              <a:t>Есть ещё один подход – на основе наследования. В базовом классе объявляется закрытый конструктор, наследники, они же варианты размеченного определения, объявляются внутри класса. Таким образом количество вариантов всегда статически известно, в других сборках новые варианты не добавить. Такой подход позволяет использовать паттерн </a:t>
-            </a:r>
-            <a:r>
-              <a:rPr lang="ru-RU" dirty="0" err="1"/>
-              <a:t>матчинг</a:t>
-            </a:r>
-            <a:r>
-              <a:rPr lang="ru-RU" dirty="0"/>
-              <a:t> и свитч. Но, к сожалению, компиляция не ломается при добавлении нового варианта, мне пришлось написать свой анализатор для этого.</a:t>
-            </a:r>
-          </a:p>
-          <a:p>
-            <a:r>
-              <a:rPr lang="ru-RU" dirty="0"/>
-              <a:t>Я выбрал такой вариант, потому что мне кажется, что когда размеченные определения появятся в языке, переделывать придётся меньше.</a:t>
+              <a:t>Есть ещё один подход – на основе наследования. В базовом классе объявляется закрытый конструктор, наследники, они же варианты размеченного определения, объявляются внутри класса. Таким образом количество вариантов всегда статически известно, в других местах новые варианты не добавить. </a:t>
             </a:r>
           </a:p>
         </p:txBody>
@@ -7452,7 +7439,7 @@
       </p:grpSpPr>
       <p:sp>
         <p:nvSpPr>
-          <p:cNvPr id="2" name="Slide Image Placeholder 1"/>
+          <p:cNvPr id="2" name="Образ слайда 1"/>
           <p:cNvSpPr>
             <a:spLocks noGrp="1" noRot="1" noChangeAspect="1"/>
           </p:cNvSpPr>
@@ -7464,7 +7451,7 @@
       </p:sp>
       <p:sp>
         <p:nvSpPr>
-          <p:cNvPr id="3" name="Notes Placeholder 2"/>
+          <p:cNvPr id="3" name="Заметки 2"/>
           <p:cNvSpPr>
             <a:spLocks noGrp="1"/>
           </p:cNvSpPr>
@@ -7477,37 +7464,30 @@
           <a:bodyPr/>
           <a:lstStyle/>
           <a:p>
-            <a:pPr marL="0" marR="0" lvl="0" indent="0" algn="l" defTabSz="914400" rtl="0" eaLnBrk="1" fontAlgn="auto" latinLnBrk="0" hangingPunct="1">
-              <a:lnSpc>
-                <a:spcPct val="100000"/>
-              </a:lnSpc>
-              <a:spcBef>
-                <a:spcPts val="0"/>
-              </a:spcBef>
-              <a:spcAft>
-                <a:spcPts val="0"/>
-              </a:spcAft>
-              <a:buClrTx/>
-              <a:buSzTx/>
-              <a:buFontTx/>
-              <a:buNone/>
-              <a:tabLst/>
-              <a:defRPr/>
-            </a:pPr>
-            <a:r>
-              <a:rPr lang="ru-RU" dirty="0"/>
-              <a:t>ДЕМО</a:t>
-            </a:r>
-            <a:endParaRPr lang="en-US" dirty="0"/>
-          </a:p>
-          <a:p>
-            <a:endParaRPr lang="en-US" dirty="0"/>
-          </a:p>
-        </p:txBody>
-      </p:sp>
-      <p:sp>
-        <p:nvSpPr>
-          <p:cNvPr id="4" name="Slide Number Placeholder 3"/>
+            <a:r>
+              <a:rPr lang="ru-RU" dirty="0"/>
+              <a:t>Такой подход позволяет использовать паттерн </a:t>
+            </a:r>
+            <a:r>
+              <a:rPr lang="ru-RU" dirty="0" err="1"/>
+              <a:t>матчинг</a:t>
+            </a:r>
+            <a:r>
+              <a:rPr lang="ru-RU" dirty="0"/>
+              <a:t> и свитч. Но, к сожалению, компиляция не ломается при добавлении нового варианта, мне пришлось написать свой анализатор для этого.</a:t>
+            </a:r>
+          </a:p>
+          <a:p>
+            <a:r>
+              <a:rPr lang="ru-RU" dirty="0"/>
+              <a:t>Я выбрал такой вариант, потому что мне кажется, что когда размеченные определения появятся в языке, переделывать придётся меньше.</a:t>
+            </a:r>
+          </a:p>
+        </p:txBody>
+      </p:sp>
+      <p:sp>
+        <p:nvSpPr>
+          <p:cNvPr id="4" name="Номер слайда 3"/>
           <p:cNvSpPr>
             <a:spLocks noGrp="1"/>
           </p:cNvSpPr>
@@ -7520,18 +7500,18 @@
           <a:bodyPr/>
           <a:lstStyle/>
           <a:p>
-            <a:fld id="{27CB6E1E-8837-4EF9-A8CB-031D8CEE127E}" type="slidenum">
-              <a:rPr lang="en-US" smtClean="0"/>
+            <a:fld id="{F9800033-7589-4356-9116-273B5B2638B7}" type="slidenum">
+              <a:rPr lang="ru-RU" smtClean="0"/>
               <a:t>64</a:t>
             </a:fld>
-            <a:endParaRPr lang="en-US"/>
+            <a:endParaRPr lang="ru-RU"/>
           </a:p>
         </p:txBody>
       </p:sp>
     </p:spTree>
     <p:extLst>
       <p:ext uri="{BB962C8B-B14F-4D97-AF65-F5344CB8AC3E}">
-        <p14:creationId xmlns:p14="http://schemas.microsoft.com/office/powerpoint/2010/main" val="4173061780"/>
+        <p14:creationId xmlns:p14="http://schemas.microsoft.com/office/powerpoint/2010/main" val="1722886328"/>
       </p:ext>
     </p:extLst>
   </p:cSld>
@@ -7560,7 +7540,7 @@
       </p:grpSpPr>
       <p:sp>
         <p:nvSpPr>
-          <p:cNvPr id="2" name="Образ слайда 1"/>
+          <p:cNvPr id="2" name="Slide Image Placeholder 1"/>
           <p:cNvSpPr>
             <a:spLocks noGrp="1" noRot="1" noChangeAspect="1"/>
           </p:cNvSpPr>
@@ -7572,7 +7552,7 @@
       </p:sp>
       <p:sp>
         <p:nvSpPr>
-          <p:cNvPr id="3" name="Заметки 2"/>
+          <p:cNvPr id="3" name="Notes Placeholder 2"/>
           <p:cNvSpPr>
             <a:spLocks noGrp="1"/>
           </p:cNvSpPr>
@@ -7585,25 +7565,37 @@
           <a:bodyPr/>
           <a:lstStyle/>
           <a:p>
-            <a:r>
-              <a:rPr lang="ru-RU" dirty="0"/>
-              <a:t>Часть </a:t>
-            </a:r>
-            <a:r>
-              <a:rPr lang="en-US" dirty="0"/>
-              <a:t>V</a:t>
-            </a:r>
-            <a:r>
-              <a:rPr lang="ru-RU"/>
-              <a:t>. Тестирование</a:t>
-            </a:r>
-            <a:endParaRPr lang="ru-RU" dirty="0"/>
-          </a:p>
-        </p:txBody>
-      </p:sp>
-      <p:sp>
-        <p:nvSpPr>
-          <p:cNvPr id="4" name="Номер слайда 3"/>
+            <a:pPr marL="0" marR="0" lvl="0" indent="0" algn="l" defTabSz="914400" rtl="0" eaLnBrk="1" fontAlgn="auto" latinLnBrk="0" hangingPunct="1">
+              <a:lnSpc>
+                <a:spcPct val="100000"/>
+              </a:lnSpc>
+              <a:spcBef>
+                <a:spcPts val="0"/>
+              </a:spcBef>
+              <a:spcAft>
+                <a:spcPts val="0"/>
+              </a:spcAft>
+              <a:buClrTx/>
+              <a:buSzTx/>
+              <a:buFontTx/>
+              <a:buNone/>
+              <a:tabLst/>
+              <a:defRPr/>
+            </a:pPr>
+            <a:r>
+              <a:rPr lang="ru-RU" dirty="0"/>
+              <a:t>ДЕМО</a:t>
+            </a:r>
+            <a:endParaRPr lang="en-US" dirty="0"/>
+          </a:p>
+          <a:p>
+            <a:endParaRPr lang="en-US" dirty="0"/>
+          </a:p>
+        </p:txBody>
+      </p:sp>
+      <p:sp>
+        <p:nvSpPr>
+          <p:cNvPr id="4" name="Slide Number Placeholder 3"/>
           <p:cNvSpPr>
             <a:spLocks noGrp="1"/>
           </p:cNvSpPr>
@@ -7616,18 +7608,18 @@
           <a:bodyPr/>
           <a:lstStyle/>
           <a:p>
-            <a:fld id="{F9800033-7589-4356-9116-273B5B2638B7}" type="slidenum">
-              <a:rPr lang="ru-RU" smtClean="0"/>
+            <a:fld id="{27CB6E1E-8837-4EF9-A8CB-031D8CEE127E}" type="slidenum">
+              <a:rPr lang="en-US" smtClean="0"/>
               <a:t>65</a:t>
             </a:fld>
-            <a:endParaRPr lang="ru-RU"/>
+            <a:endParaRPr lang="en-US"/>
           </a:p>
         </p:txBody>
       </p:sp>
     </p:spTree>
     <p:extLst>
       <p:ext uri="{BB962C8B-B14F-4D97-AF65-F5344CB8AC3E}">
-        <p14:creationId xmlns:p14="http://schemas.microsoft.com/office/powerpoint/2010/main" val="3495643660"/>
+        <p14:creationId xmlns:p14="http://schemas.microsoft.com/office/powerpoint/2010/main" val="4173061780"/>
       </p:ext>
     </p:extLst>
   </p:cSld>
@@ -7683,58 +7675,17 @@
           <a:p>
             <a:r>
               <a:rPr lang="ru-RU" dirty="0"/>
-              <a:t>В завершающей части поговорим про тестирование. В большинстве проектов, где я участвовал – если тесты были, то уже хорошо. Но в основном тесты такие, что лучше бы их не было. Если это интеграционные тесты, то они проходят на окружении, которое непонятно как развернуть. Может быть это какая-то дев-среда, которая уже устарела, или наоборот ушла вперед, потому что тесты регулярно не запускаются на </a:t>
-            </a:r>
-            <a:r>
-              <a:rPr lang="ru-RU" dirty="0" err="1"/>
-              <a:t>пайплайне</a:t>
-            </a:r>
-            <a:r>
-              <a:rPr lang="ru-RU" dirty="0"/>
-              <a:t>.</a:t>
-            </a:r>
-          </a:p>
-          <a:p>
-            <a:r>
-              <a:rPr lang="ru-RU" dirty="0"/>
-              <a:t>Вторая частая проблема это то, что в тестах проверяют поведение сторонних библиотек, вместо того, чтобы проверять свою бизнес-логику. Например, проверяют то, как сформировали </a:t>
-            </a:r>
-            <a:r>
-              <a:rPr lang="en-US" dirty="0" err="1"/>
-              <a:t>linq</a:t>
+              <a:t>Часть </a:t>
             </a:r>
             <a:r>
               <a:rPr lang="en-US" dirty="0"/>
-              <a:t>-</a:t>
-            </a:r>
-            <a:r>
-              <a:rPr lang="ru-RU" dirty="0"/>
-              <a:t>запрос. Либо </a:t>
-            </a:r>
-            <a:r>
-              <a:rPr lang="ru-RU" dirty="0" err="1"/>
-              <a:t>мокают</a:t>
-            </a:r>
-            <a:r>
-              <a:rPr lang="ru-RU" dirty="0"/>
-              <a:t> базу данных с помощью </a:t>
-            </a:r>
-            <a:r>
-              <a:rPr lang="en-US" dirty="0"/>
-              <a:t>in-memory </a:t>
-            </a:r>
-            <a:r>
-              <a:rPr lang="ru-RU" dirty="0"/>
-              <a:t>реализации. У неё есть большой недостаток – она не реализует всё, что делают настоящие базы данных. Например, может не учитывать регистр. Я один раз на это наткнулся и с тех пор больше на </a:t>
-            </a:r>
-            <a:r>
-              <a:rPr lang="en-US" dirty="0"/>
-              <a:t>in-memory </a:t>
-            </a:r>
-            <a:r>
-              <a:rPr lang="ru-RU" dirty="0"/>
-              <a:t>не тестирую.</a:t>
-            </a:r>
+              <a:t>V</a:t>
+            </a:r>
+            <a:r>
+              <a:rPr lang="ru-RU"/>
+              <a:t>. Тестирование</a:t>
+            </a:r>
+            <a:endParaRPr lang="ru-RU" dirty="0"/>
           </a:p>
         </p:txBody>
       </p:sp>
@@ -7764,7 +7715,7 @@
     </p:spTree>
     <p:extLst>
       <p:ext uri="{BB962C8B-B14F-4D97-AF65-F5344CB8AC3E}">
-        <p14:creationId xmlns:p14="http://schemas.microsoft.com/office/powerpoint/2010/main" val="4133561679"/>
+        <p14:creationId xmlns:p14="http://schemas.microsoft.com/office/powerpoint/2010/main" val="3495643660"/>
       </p:ext>
     </p:extLst>
   </p:cSld>
@@ -7820,59 +7771,57 @@
           <a:p>
             <a:r>
               <a:rPr lang="ru-RU" dirty="0"/>
-              <a:t>Я предлагаю использовать интеграционные тесты с реальным окружением, которое нужно поднимать в докере и тестовым </a:t>
+              <a:t>В завершающей части поговорим про тестирование. В большинстве проектов, где я участвовал – если тесты были, то уже хорошо. Но в основном тесты такие, что лучше бы их не было. Если это интеграционные тесты, то они проходят на окружении, которое непонятно как развернуть. Может быть это какая-то дев-среда, которая уже устарела, или наоборот ушла вперед, потому что тесты регулярно не запускаются на </a:t>
             </a:r>
             <a:r>
               <a:rPr lang="ru-RU" dirty="0" err="1"/>
-              <a:t>асп.нет</a:t>
-            </a:r>
-            <a:r>
-              <a:rPr lang="ru-RU" dirty="0"/>
-              <a:t> хостом</a:t>
+              <a:t>пайплайне</a:t>
+            </a:r>
+            <a:r>
+              <a:rPr lang="ru-RU" dirty="0"/>
+              <a:t>.</a:t>
+            </a:r>
+          </a:p>
+          <a:p>
+            <a:r>
+              <a:rPr lang="ru-RU" dirty="0"/>
+              <a:t>Вторая частая проблема это то, что в тестах проверяют поведение сторонних библиотек, вместо того, чтобы проверять свою бизнес-логику. Например, проверяют то, как сформировали </a:t>
+            </a:r>
+            <a:r>
+              <a:rPr lang="en-US" dirty="0" err="1"/>
+              <a:t>linq</a:t>
             </a:r>
             <a:r>
               <a:rPr lang="en-US" dirty="0"/>
-              <a:t> (</a:t>
-            </a:r>
-            <a:r>
-              <a:rPr lang="ru-RU" dirty="0"/>
-              <a:t>с ним удобнее отлаживаться). На </a:t>
+              <a:t>-</a:t>
+            </a:r>
+            <a:r>
+              <a:rPr lang="ru-RU" dirty="0"/>
+              <a:t>запрос. Либо </a:t>
+            </a:r>
+            <a:r>
+              <a:rPr lang="ru-RU" dirty="0" err="1"/>
+              <a:t>мокают</a:t>
+            </a:r>
+            <a:r>
+              <a:rPr lang="ru-RU" dirty="0"/>
+              <a:t> базу данных с помощью </a:t>
             </a:r>
             <a:r>
               <a:rPr lang="en-US" dirty="0"/>
-              <a:t>CI/CD </a:t>
-            </a:r>
-            <a:r>
-              <a:rPr lang="ru-RU" dirty="0"/>
-              <a:t>можно даже использовать настоящий хост, который будет тоже запускаться в докере. Для этого я использовал библиотеку от участника нашего сообщества Максима Шошина, подробнее покажу в демо.</a:t>
-            </a:r>
-          </a:p>
-          <a:p>
-            <a:r>
-              <a:rPr lang="ru-RU" dirty="0"/>
-              <a:t>Такие тесты позволят проверить не просто проверить вызов к базе данных, а весь </a:t>
-            </a:r>
-            <a:r>
-              <a:rPr lang="ru-RU" dirty="0" err="1"/>
-              <a:t>пайплайн</a:t>
-            </a:r>
-            <a:r>
-              <a:rPr lang="ru-RU" dirty="0"/>
-              <a:t>. Все фильтры, </a:t>
-            </a:r>
-            <a:r>
-              <a:rPr lang="ru-RU" dirty="0" err="1"/>
-              <a:t>миддвари</a:t>
-            </a:r>
-            <a:r>
-              <a:rPr lang="ru-RU" dirty="0"/>
-              <a:t> и прочее. Это даёт больше надежности.</a:t>
-            </a:r>
-          </a:p>
-          <a:p>
-            <a:r>
-              <a:rPr lang="ru-RU" dirty="0"/>
-              <a:t>Но, это только дополнение, а не замена юнит тестов.</a:t>
+              <a:t>in-memory </a:t>
+            </a:r>
+            <a:r>
+              <a:rPr lang="ru-RU" dirty="0"/>
+              <a:t>реализации. У неё есть большой недостаток – она не реализует всё, что делают настоящие базы данных. Например, может не учитывать регистр. Я один раз на это наткнулся и с тех пор больше на </a:t>
+            </a:r>
+            <a:r>
+              <a:rPr lang="en-US" dirty="0"/>
+              <a:t>in-memory </a:t>
+            </a:r>
+            <a:r>
+              <a:rPr lang="ru-RU" dirty="0"/>
+              <a:t>не тестирую.</a:t>
             </a:r>
           </a:p>
         </p:txBody>
@@ -7903,7 +7852,7 @@
     </p:spTree>
     <p:extLst>
       <p:ext uri="{BB962C8B-B14F-4D97-AF65-F5344CB8AC3E}">
-        <p14:creationId xmlns:p14="http://schemas.microsoft.com/office/powerpoint/2010/main" val="2317055758"/>
+        <p14:creationId xmlns:p14="http://schemas.microsoft.com/office/powerpoint/2010/main" val="4133561679"/>
       </p:ext>
     </p:extLst>
   </p:cSld>
@@ -7959,61 +7908,60 @@
           <a:p>
             <a:r>
               <a:rPr lang="ru-RU" dirty="0"/>
-              <a:t>Плюсы: </a:t>
-            </a:r>
-          </a:p>
-          <a:p>
-            <a:r>
-              <a:rPr lang="ru-RU" dirty="0"/>
-              <a:t>Описание окружения находится в репозитории, какую версию базы, какую реализацию </a:t>
+              <a:t>Я предлагаю использовать интеграционные тесты с реальным окружением, которое нужно поднимать в докере и тестовым </a:t>
+            </a:r>
+            <a:r>
+              <a:rPr lang="ru-RU" dirty="0" err="1"/>
+              <a:t>асп.нет</a:t>
+            </a:r>
+            <a:r>
+              <a:rPr lang="ru-RU" dirty="0"/>
+              <a:t> хостом</a:t>
             </a:r>
             <a:r>
               <a:rPr lang="en-US" dirty="0"/>
-              <a:t>S3 </a:t>
-            </a:r>
-            <a:r>
-              <a:rPr lang="ru-RU" dirty="0"/>
-              <a:t>используем.</a:t>
-            </a:r>
-          </a:p>
-          <a:p>
-            <a:r>
-              <a:rPr lang="ru-RU" dirty="0"/>
-              <a:t>Очень легко начать разрабатывать – не надо ставить дополнительный софт, достаточно только докера. Можно писать в стиле </a:t>
+              <a:t> (</a:t>
+            </a:r>
+            <a:r>
+              <a:rPr lang="ru-RU" dirty="0"/>
+              <a:t>с ним удобнее отлаживаться). На </a:t>
             </a:r>
             <a:r>
               <a:rPr lang="en-US" dirty="0"/>
-              <a:t>TDD</a:t>
-            </a:r>
-            <a:r>
-              <a:rPr lang="ru-RU" dirty="0"/>
-              <a:t>. Не обязательно сначала тесты, а потом код. Но можно проверять функциональность без запуска приложения и ручного </a:t>
+              <a:t>CI/CD </a:t>
+            </a:r>
+            <a:r>
+              <a:rPr lang="ru-RU" dirty="0"/>
+              <a:t>можно даже использовать настоящий хост, который будет тоже запускаться в докере. Для этого я использовал библиотеку от участника нашего сообщества Максима Шошина, подробнее покажу в демо.</a:t>
+            </a:r>
+          </a:p>
+          <a:p>
+            <a:r>
+              <a:rPr lang="ru-RU" dirty="0"/>
+              <a:t>Такие тесты позволят проверить не просто проверить вызов к базе данных, а весь </a:t>
             </a:r>
             <a:r>
               <a:rPr lang="ru-RU" dirty="0" err="1"/>
-              <a:t>прокликивания</a:t>
-            </a:r>
-            <a:r>
-              <a:rPr lang="ru-RU" dirty="0"/>
-              <a:t>.</a:t>
-            </a:r>
-          </a:p>
-          <a:p>
-            <a:r>
-              <a:rPr lang="ru-RU" dirty="0"/>
-              <a:t>Ещё мы бесплатно получаем примеры использования АПИ</a:t>
-            </a:r>
-            <a:r>
-              <a:rPr lang="en-US" dirty="0"/>
-              <a:t>. </a:t>
-            </a:r>
-            <a:r>
-              <a:rPr lang="ru-RU" dirty="0"/>
-              <a:t>Если мы разрабатываем внутренний сервис, то вместо документации можно в качестве примеров использовать тесты. И, последний бонус, при появлении багов не надо руками его воспроизводить – можно повторить его на основе существующий тестов.</a:t>
-            </a:r>
-          </a:p>
-          <a:p>
-            <a:endParaRPr lang="ru-RU" dirty="0"/>
+              <a:t>пайплайн</a:t>
+            </a:r>
+            <a:r>
+              <a:rPr lang="ru-RU" dirty="0"/>
+              <a:t>. Все фильтры, </a:t>
+            </a:r>
+            <a:r>
+              <a:rPr lang="ru-RU" dirty="0" err="1"/>
+              <a:t>миддвари</a:t>
+            </a:r>
+            <a:r>
+              <a:rPr lang="ru-RU" dirty="0"/>
+              <a:t> и прочее. Это даёт больше надежности.</a:t>
+            </a:r>
+          </a:p>
+          <a:p>
+            <a:r>
+              <a:rPr lang="ru-RU" dirty="0"/>
+              <a:t>Но, это только дополнение, а не замена юнит тестов.</a:t>
+            </a:r>
           </a:p>
         </p:txBody>
       </p:sp>
@@ -8043,7 +7991,7 @@
     </p:spTree>
     <p:extLst>
       <p:ext uri="{BB962C8B-B14F-4D97-AF65-F5344CB8AC3E}">
-        <p14:creationId xmlns:p14="http://schemas.microsoft.com/office/powerpoint/2010/main" val="3459758321"/>
+        <p14:creationId xmlns:p14="http://schemas.microsoft.com/office/powerpoint/2010/main" val="2317055758"/>
       </p:ext>
     </p:extLst>
   </p:cSld>
@@ -8097,34 +8045,59 @@
           <a:bodyPr/>
           <a:lstStyle/>
           <a:p>
-            <a:pPr marL="0" marR="0" lvl="0" indent="0" algn="l" defTabSz="914400" rtl="0" eaLnBrk="1" fontAlgn="auto" latinLnBrk="0" hangingPunct="1">
-              <a:lnSpc>
-                <a:spcPct val="100000"/>
-              </a:lnSpc>
-              <a:spcBef>
-                <a:spcPts val="0"/>
-              </a:spcBef>
-              <a:spcAft>
-                <a:spcPts val="0"/>
-              </a:spcAft>
-              <a:buClrTx/>
-              <a:buSzTx/>
-              <a:buFontTx/>
-              <a:buNone/>
-              <a:tabLst/>
-              <a:defRPr/>
-            </a:pPr>
-            <a:r>
-              <a:rPr lang="ru-RU" dirty="0"/>
-              <a:t>Конечно, у такого подхода есть и минусы. Тесты долго выполняются, их сложнее </a:t>
+            <a:r>
+              <a:rPr lang="ru-RU" dirty="0"/>
+              <a:t>Плюсы: </a:t>
+            </a:r>
+          </a:p>
+          <a:p>
+            <a:r>
+              <a:rPr lang="ru-RU" dirty="0"/>
+              <a:t>Описание окружения находится в репозитории, какую версию базы, какую реализацию </a:t>
+            </a:r>
+            <a:r>
+              <a:rPr lang="en-US" dirty="0"/>
+              <a:t>S3 </a:t>
+            </a:r>
+            <a:r>
+              <a:rPr lang="ru-RU" dirty="0"/>
+              <a:t>используем.</a:t>
+            </a:r>
+          </a:p>
+          <a:p>
+            <a:r>
+              <a:rPr lang="ru-RU" dirty="0"/>
+              <a:t>Очень легко начать разрабатывать – не надо ставить дополнительный софт, достаточно только докера. Можно писать в стиле </a:t>
+            </a:r>
+            <a:r>
+              <a:rPr lang="en-US" dirty="0"/>
+              <a:t>TDD</a:t>
+            </a:r>
+            <a:r>
+              <a:rPr lang="ru-RU" dirty="0"/>
+              <a:t>. Не обязательно сначала тесты, а потом код. Но можно проверять функциональность без запуска приложения и ручного </a:t>
             </a:r>
             <a:r>
               <a:rPr lang="ru-RU" dirty="0" err="1"/>
-              <a:t>параллелить</a:t>
-            </a:r>
-            <a:r>
-              <a:rPr lang="ru-RU" dirty="0"/>
-              <a:t>. Их сложнее и дольше писать.</a:t>
+              <a:t>прокликивания</a:t>
+            </a:r>
+            <a:r>
+              <a:rPr lang="ru-RU" dirty="0"/>
+              <a:t>.</a:t>
+            </a:r>
+          </a:p>
+          <a:p>
+            <a:r>
+              <a:rPr lang="ru-RU" dirty="0"/>
+              <a:t>Ещё мы бесплатно получаем примеры использования АПИ</a:t>
+            </a:r>
+            <a:r>
+              <a:rPr lang="en-US" dirty="0"/>
+              <a:t>. </a:t>
+            </a:r>
+            <a:r>
+              <a:rPr lang="ru-RU" dirty="0"/>
+              <a:t>Если мы разрабатываем внутренний сервис, то вместо документации можно в качестве примеров использовать тесты. И, последний бонус, при появлении багов не надо руками его воспроизводить – можно повторить его на основе существующий тестов.</a:t>
             </a:r>
           </a:p>
           <a:p>
@@ -8158,7 +8131,7 @@
     </p:spTree>
     <p:extLst>
       <p:ext uri="{BB962C8B-B14F-4D97-AF65-F5344CB8AC3E}">
-        <p14:creationId xmlns:p14="http://schemas.microsoft.com/office/powerpoint/2010/main" val="1377243705"/>
+        <p14:creationId xmlns:p14="http://schemas.microsoft.com/office/powerpoint/2010/main" val="3459758321"/>
       </p:ext>
     </p:extLst>
   </p:cSld>
@@ -8304,7 +8277,7 @@
       </p:grpSpPr>
       <p:sp>
         <p:nvSpPr>
-          <p:cNvPr id="2" name="Slide Image Placeholder 1"/>
+          <p:cNvPr id="2" name="Образ слайда 1"/>
           <p:cNvSpPr>
             <a:spLocks noGrp="1" noRot="1" noChangeAspect="1"/>
           </p:cNvSpPr>
@@ -8316,7 +8289,7 @@
       </p:sp>
       <p:sp>
         <p:nvSpPr>
-          <p:cNvPr id="3" name="Notes Placeholder 2"/>
+          <p:cNvPr id="3" name="Заметки 2"/>
           <p:cNvSpPr>
             <a:spLocks noGrp="1"/>
           </p:cNvSpPr>
@@ -8329,17 +8302,44 @@
           <a:bodyPr/>
           <a:lstStyle/>
           <a:p>
-            <a:r>
-              <a:rPr lang="ru-RU" dirty="0"/>
-              <a:t>ДЕМО</a:t>
-            </a:r>
-            <a:endParaRPr lang="en-US" dirty="0"/>
-          </a:p>
-        </p:txBody>
-      </p:sp>
-      <p:sp>
-        <p:nvSpPr>
-          <p:cNvPr id="4" name="Slide Number Placeholder 3"/>
+            <a:pPr marL="0" marR="0" lvl="0" indent="0" algn="l" defTabSz="914400" rtl="0" eaLnBrk="1" fontAlgn="auto" latinLnBrk="0" hangingPunct="1">
+              <a:lnSpc>
+                <a:spcPct val="100000"/>
+              </a:lnSpc>
+              <a:spcBef>
+                <a:spcPts val="0"/>
+              </a:spcBef>
+              <a:spcAft>
+                <a:spcPts val="0"/>
+              </a:spcAft>
+              <a:buClrTx/>
+              <a:buSzTx/>
+              <a:buFontTx/>
+              <a:buNone/>
+              <a:tabLst/>
+              <a:defRPr/>
+            </a:pPr>
+            <a:r>
+              <a:rPr lang="ru-RU" dirty="0"/>
+              <a:t>Конечно, у такого подхода есть и минусы. Тесты долго выполняются, их сложнее </a:t>
+            </a:r>
+            <a:r>
+              <a:rPr lang="ru-RU" dirty="0" err="1"/>
+              <a:t>параллелить</a:t>
+            </a:r>
+            <a:r>
+              <a:rPr lang="ru-RU" dirty="0"/>
+              <a:t>. Их сложнее и дольше писать.</a:t>
+            </a:r>
+          </a:p>
+          <a:p>
+            <a:endParaRPr lang="ru-RU" dirty="0"/>
+          </a:p>
+        </p:txBody>
+      </p:sp>
+      <p:sp>
+        <p:nvSpPr>
+          <p:cNvPr id="4" name="Номер слайда 3"/>
           <p:cNvSpPr>
             <a:spLocks noGrp="1"/>
           </p:cNvSpPr>
@@ -8352,18 +8352,18 @@
           <a:bodyPr/>
           <a:lstStyle/>
           <a:p>
-            <a:fld id="{27CB6E1E-8837-4EF9-A8CB-031D8CEE127E}" type="slidenum">
-              <a:rPr lang="en-US" smtClean="0"/>
+            <a:fld id="{F9800033-7589-4356-9116-273B5B2638B7}" type="slidenum">
+              <a:rPr lang="ru-RU" smtClean="0"/>
               <a:t>70</a:t>
             </a:fld>
-            <a:endParaRPr lang="en-US"/>
+            <a:endParaRPr lang="ru-RU"/>
           </a:p>
         </p:txBody>
       </p:sp>
     </p:spTree>
     <p:extLst>
       <p:ext uri="{BB962C8B-B14F-4D97-AF65-F5344CB8AC3E}">
-        <p14:creationId xmlns:p14="http://schemas.microsoft.com/office/powerpoint/2010/main" val="2934721711"/>
+        <p14:creationId xmlns:p14="http://schemas.microsoft.com/office/powerpoint/2010/main" val="1377243705"/>
       </p:ext>
     </p:extLst>
   </p:cSld>
@@ -8392,7 +8392,7 @@
       </p:grpSpPr>
       <p:sp>
         <p:nvSpPr>
-          <p:cNvPr id="2" name="Образ слайда 1"/>
+          <p:cNvPr id="2" name="Slide Image Placeholder 1"/>
           <p:cNvSpPr>
             <a:spLocks noGrp="1" noRot="1" noChangeAspect="1"/>
           </p:cNvSpPr>
@@ -8404,7 +8404,7 @@
       </p:sp>
       <p:sp>
         <p:nvSpPr>
-          <p:cNvPr id="3" name="Заметки 2"/>
+          <p:cNvPr id="3" name="Notes Placeholder 2"/>
           <p:cNvSpPr>
             <a:spLocks noGrp="1"/>
           </p:cNvSpPr>
@@ -8419,22 +8419,15 @@
           <a:p>
             <a:r>
               <a:rPr lang="ru-RU" dirty="0"/>
-              <a:t>Часть </a:t>
-            </a:r>
-            <a:r>
-              <a:rPr lang="en-US" dirty="0"/>
-              <a:t>VI</a:t>
-            </a:r>
-            <a:r>
-              <a:rPr lang="ru-RU" dirty="0"/>
-              <a:t>. Заключение</a:t>
-            </a:r>
-          </a:p>
-        </p:txBody>
-      </p:sp>
-      <p:sp>
-        <p:nvSpPr>
-          <p:cNvPr id="4" name="Номер слайда 3"/>
+              <a:t>ДЕМО</a:t>
+            </a:r>
+            <a:endParaRPr lang="en-US" dirty="0"/>
+          </a:p>
+        </p:txBody>
+      </p:sp>
+      <p:sp>
+        <p:nvSpPr>
+          <p:cNvPr id="4" name="Slide Number Placeholder 3"/>
           <p:cNvSpPr>
             <a:spLocks noGrp="1"/>
           </p:cNvSpPr>
@@ -8447,18 +8440,18 @@
           <a:bodyPr/>
           <a:lstStyle/>
           <a:p>
-            <a:fld id="{F9800033-7589-4356-9116-273B5B2638B7}" type="slidenum">
-              <a:rPr lang="ru-RU" smtClean="0"/>
+            <a:fld id="{27CB6E1E-8837-4EF9-A8CB-031D8CEE127E}" type="slidenum">
+              <a:rPr lang="en-US" smtClean="0"/>
               <a:t>71</a:t>
             </a:fld>
-            <a:endParaRPr lang="ru-RU"/>
+            <a:endParaRPr lang="en-US"/>
           </a:p>
         </p:txBody>
       </p:sp>
     </p:spTree>
     <p:extLst>
       <p:ext uri="{BB962C8B-B14F-4D97-AF65-F5344CB8AC3E}">
-        <p14:creationId xmlns:p14="http://schemas.microsoft.com/office/powerpoint/2010/main" val="1183078061"/>
+        <p14:creationId xmlns:p14="http://schemas.microsoft.com/office/powerpoint/2010/main" val="2934721711"/>
       </p:ext>
     </p:extLst>
   </p:cSld>
@@ -8514,25 +8507,15 @@
           <a:p>
             <a:r>
               <a:rPr lang="ru-RU" dirty="0"/>
-              <a:t>1. Посмотрели на альтернативу чистой архитектуры</a:t>
-            </a:r>
-          </a:p>
-          <a:p>
-            <a:r>
-              <a:rPr lang="ru-RU" dirty="0"/>
-              <a:t>2. Посмотрели, как можно иначе применять давно знакомые паттерны</a:t>
-            </a:r>
-          </a:p>
-          <a:p>
-            <a:r>
-              <a:rPr lang="ru-RU" dirty="0"/>
-              <a:t>3. Познакомились с обработкой ошибок из функциональных языков</a:t>
-            </a:r>
-          </a:p>
-          <a:p>
-            <a:r>
-              <a:rPr lang="ru-RU" dirty="0"/>
-              <a:t>4. Познакомились с интеграционными тестами, выполняемыми с реальным окружением</a:t>
+              <a:t>Часть </a:t>
+            </a:r>
+            <a:r>
+              <a:rPr lang="en-US" dirty="0"/>
+              <a:t>VI</a:t>
+            </a:r>
+            <a:r>
+              <a:rPr lang="ru-RU" dirty="0"/>
+              <a:t>. Заключение</a:t>
             </a:r>
           </a:p>
         </p:txBody>
@@ -8563,7 +8546,7 @@
     </p:spTree>
     <p:extLst>
       <p:ext uri="{BB962C8B-B14F-4D97-AF65-F5344CB8AC3E}">
-        <p14:creationId xmlns:p14="http://schemas.microsoft.com/office/powerpoint/2010/main" val="3831964546"/>
+        <p14:creationId xmlns:p14="http://schemas.microsoft.com/office/powerpoint/2010/main" val="1183078061"/>
       </p:ext>
     </p:extLst>
   </p:cSld>
@@ -8619,7 +8602,25 @@
           <a:p>
             <a:r>
               <a:rPr lang="ru-RU" dirty="0"/>
-              <a:t>Собственно, вывод всего один – делать проще и явно. Хотя это иногда выливается в более многословный код, зато он будет проще и понятнее, даже новичкам.</a:t>
+              <a:t>1. Посмотрели на альтернативу чистой архитектуры</a:t>
+            </a:r>
+          </a:p>
+          <a:p>
+            <a:r>
+              <a:rPr lang="ru-RU" dirty="0"/>
+              <a:t>2. Посмотрели, как можно иначе применять давно знакомые паттерны</a:t>
+            </a:r>
+          </a:p>
+          <a:p>
+            <a:r>
+              <a:rPr lang="ru-RU" dirty="0"/>
+              <a:t>3. Познакомились с обработкой ошибок из функциональных языков</a:t>
+            </a:r>
+          </a:p>
+          <a:p>
+            <a:r>
+              <a:rPr lang="ru-RU" dirty="0"/>
+              <a:t>4. Познакомились с интеграционными тестами, выполняемыми с реальным окружением</a:t>
             </a:r>
           </a:p>
         </p:txBody>
@@ -8650,7 +8651,7 @@
     </p:spTree>
     <p:extLst>
       <p:ext uri="{BB962C8B-B14F-4D97-AF65-F5344CB8AC3E}">
-        <p14:creationId xmlns:p14="http://schemas.microsoft.com/office/powerpoint/2010/main" val="3040271165"/>
+        <p14:creationId xmlns:p14="http://schemas.microsoft.com/office/powerpoint/2010/main" val="3831964546"/>
       </p:ext>
     </p:extLst>
   </p:cSld>
@@ -8706,24 +8707,7 @@
           <a:p>
             <a:r>
               <a:rPr lang="ru-RU" dirty="0"/>
-              <a:t>На этом всё. На слайде мои контакты, ссылки на репозиторий с примером.</a:t>
-            </a:r>
-          </a:p>
-          <a:p>
-            <a:r>
-              <a:rPr lang="ru-RU" dirty="0"/>
-              <a:t>В докладе упоминал разные библиотеки, в презентации есть активные ссылки на них. Сама презентация тоже есть в репозитории на </a:t>
-            </a:r>
-            <a:r>
-              <a:rPr lang="ru-RU" dirty="0" err="1"/>
-              <a:t>гитхабе</a:t>
-            </a:r>
-            <a:endParaRPr lang="ru-RU" dirty="0"/>
-          </a:p>
-          <a:p>
-            <a:r>
-              <a:rPr lang="ru-RU" dirty="0"/>
-              <a:t>Давайте перейдем к вопросам из зала.</a:t>
+              <a:t>Собственно, вывод всего один – делать проще и явно. Хотя это иногда выливается в более многословный код, зато он будет проще и понятнее, даже новичкам.</a:t>
             </a:r>
           </a:p>
         </p:txBody>
@@ -8746,6 +8730,110 @@
             <a:fld id="{F9800033-7589-4356-9116-273B5B2638B7}" type="slidenum">
               <a:rPr lang="ru-RU" smtClean="0"/>
               <a:t>74</a:t>
+            </a:fld>
+            <a:endParaRPr lang="ru-RU"/>
+          </a:p>
+        </p:txBody>
+      </p:sp>
+    </p:spTree>
+    <p:extLst>
+      <p:ext uri="{BB962C8B-B14F-4D97-AF65-F5344CB8AC3E}">
+        <p14:creationId xmlns:p14="http://schemas.microsoft.com/office/powerpoint/2010/main" val="3040271165"/>
+      </p:ext>
+    </p:extLst>
+  </p:cSld>
+  <p:clrMapOvr>
+    <a:masterClrMapping/>
+  </p:clrMapOvr>
+</p:notes>
+</file>
+
+<file path=ppt/notesSlides/notesSlide75.xml><?xml version="1.0" encoding="utf-8"?>
+<p:notes xmlns:a="http://schemas.openxmlformats.org/drawingml/2006/main" xmlns:r="http://schemas.openxmlformats.org/officeDocument/2006/relationships" xmlns:p="http://schemas.openxmlformats.org/presentationml/2006/main">
+  <p:cSld>
+    <p:spTree>
+      <p:nvGrpSpPr>
+        <p:cNvPr id="1" name=""/>
+        <p:cNvGrpSpPr/>
+        <p:nvPr/>
+      </p:nvGrpSpPr>
+      <p:grpSpPr>
+        <a:xfrm>
+          <a:off x="0" y="0"/>
+          <a:ext cx="0" cy="0"/>
+          <a:chOff x="0" y="0"/>
+          <a:chExt cx="0" cy="0"/>
+        </a:xfrm>
+      </p:grpSpPr>
+      <p:sp>
+        <p:nvSpPr>
+          <p:cNvPr id="2" name="Образ слайда 1"/>
+          <p:cNvSpPr>
+            <a:spLocks noGrp="1" noRot="1" noChangeAspect="1"/>
+          </p:cNvSpPr>
+          <p:nvPr>
+            <p:ph type="sldImg"/>
+          </p:nvPr>
+        </p:nvSpPr>
+        <p:spPr/>
+      </p:sp>
+      <p:sp>
+        <p:nvSpPr>
+          <p:cNvPr id="3" name="Заметки 2"/>
+          <p:cNvSpPr>
+            <a:spLocks noGrp="1"/>
+          </p:cNvSpPr>
+          <p:nvPr>
+            <p:ph type="body" idx="1"/>
+          </p:nvPr>
+        </p:nvSpPr>
+        <p:spPr/>
+        <p:txBody>
+          <a:bodyPr/>
+          <a:lstStyle/>
+          <a:p>
+            <a:r>
+              <a:rPr lang="ru-RU" dirty="0"/>
+              <a:t>На этом всё. На слайде мои контакты, ссылки на репозиторий с примером.</a:t>
+            </a:r>
+          </a:p>
+          <a:p>
+            <a:r>
+              <a:rPr lang="ru-RU" dirty="0"/>
+              <a:t>В докладе упоминал разные библиотеки, в презентации есть активные ссылки на них. Сама презентация тоже есть в репозитории на </a:t>
+            </a:r>
+            <a:r>
+              <a:rPr lang="ru-RU" dirty="0" err="1"/>
+              <a:t>гитхабе</a:t>
+            </a:r>
+            <a:endParaRPr lang="ru-RU" dirty="0"/>
+          </a:p>
+          <a:p>
+            <a:r>
+              <a:rPr lang="ru-RU" dirty="0"/>
+              <a:t>Давайте перейдем к вопросам из зала.</a:t>
+            </a:r>
+          </a:p>
+        </p:txBody>
+      </p:sp>
+      <p:sp>
+        <p:nvSpPr>
+          <p:cNvPr id="4" name="Номер слайда 3"/>
+          <p:cNvSpPr>
+            <a:spLocks noGrp="1"/>
+          </p:cNvSpPr>
+          <p:nvPr>
+            <p:ph type="sldNum" sz="quarter" idx="5"/>
+          </p:nvPr>
+        </p:nvSpPr>
+        <p:spPr/>
+        <p:txBody>
+          <a:bodyPr/>
+          <a:lstStyle/>
+          <a:p>
+            <a:fld id="{F9800033-7589-4356-9116-273B5B2638B7}" type="slidenum">
+              <a:rPr lang="ru-RU" smtClean="0"/>
+              <a:t>75</a:t>
             </a:fld>
             <a:endParaRPr lang="ru-RU"/>
           </a:p>
@@ -20735,13 +20823,13 @@
           <a:p>
             <a:r>
               <a:rPr lang="ru-RU" dirty="0"/>
-              <a:t>простор для возможных оптимизаций</a:t>
-            </a:r>
-          </a:p>
-          <a:p>
-            <a:r>
-              <a:rPr lang="ru-RU" dirty="0"/>
-              <a:t>использование возможностей БД (ограничения, </a:t>
+              <a:t>Простор для возможных оптимизаций</a:t>
+            </a:r>
+          </a:p>
+          <a:p>
+            <a:r>
+              <a:rPr lang="ru-RU" dirty="0"/>
+              <a:t>Использование всех возможностей БД (ограничения, </a:t>
             </a:r>
             <a:r>
               <a:rPr lang="ru-RU" dirty="0" err="1"/>
@@ -20883,7 +20971,7 @@
             </a:r>
             <a:r>
               <a:rPr lang="ru-RU" dirty="0"/>
-              <a:t>-ограничением на базе.</a:t>
+              <a:t>-ограничением на базе</a:t>
             </a:r>
           </a:p>
           <a:p>
@@ -29786,8 +29874,8 @@
           </a:xfrm>
         </p:spPr>
         <p:txBody>
-          <a:bodyPr>
-            <a:normAutofit fontScale="92500" lnSpcReduction="10000"/>
+          <a:bodyPr anchor="ctr">
+            <a:normAutofit/>
           </a:bodyPr>
           <a:lstStyle/>
           <a:p>
@@ -29795,7 +29883,7 @@
               <a:buNone/>
             </a:pPr>
             <a:r>
-              <a:rPr lang="en-US" sz="1800" dirty="0">
+              <a:rPr lang="en-US" sz="2000" dirty="0">
                 <a:solidFill>
                   <a:srgbClr val="0000FF"/>
                 </a:solidFill>
@@ -29804,7 +29892,7 @@
               <a:t>public</a:t>
             </a:r>
             <a:r>
-              <a:rPr lang="en-US" sz="1800" dirty="0">
+              <a:rPr lang="en-US" sz="2000" dirty="0">
                 <a:solidFill>
                   <a:srgbClr val="000000"/>
                 </a:solidFill>
@@ -29813,7 +29901,7 @@
               <a:t> </a:t>
             </a:r>
             <a:r>
-              <a:rPr lang="en-US" sz="1800" dirty="0">
+              <a:rPr lang="en-US" sz="2000" dirty="0">
                 <a:solidFill>
                   <a:srgbClr val="0000FF"/>
                 </a:solidFill>
@@ -29822,7 +29910,7 @@
               <a:t>abstract</a:t>
             </a:r>
             <a:r>
-              <a:rPr lang="en-US" sz="1800" dirty="0">
+              <a:rPr lang="en-US" sz="2000" dirty="0">
                 <a:solidFill>
                   <a:srgbClr val="000000"/>
                 </a:solidFill>
@@ -29831,16 +29919,16 @@
               <a:t> </a:t>
             </a:r>
             <a:r>
-              <a:rPr lang="en-US" sz="1800" dirty="0">
+              <a:rPr lang="en-US" sz="2000" dirty="0">
                 <a:solidFill>
                   <a:srgbClr val="0000FF"/>
                 </a:solidFill>
                 <a:latin typeface="Cascadia Mono" panose="020B0609020000020004" pitchFamily="49" charset="0"/>
               </a:rPr>
-              <a:t>record</a:t>
-            </a:r>
-            <a:r>
-              <a:rPr lang="en-US" sz="1800" dirty="0">
+              <a:t>class</a:t>
+            </a:r>
+            <a:r>
+              <a:rPr lang="en-US" sz="2000" dirty="0">
                 <a:solidFill>
                   <a:srgbClr val="000000"/>
                 </a:solidFill>
@@ -29849,7 +29937,7 @@
               <a:t> </a:t>
             </a:r>
             <a:r>
-              <a:rPr lang="en-US" sz="1800" dirty="0" err="1">
+              <a:rPr lang="en-US" sz="2000" dirty="0" err="1">
                 <a:solidFill>
                   <a:srgbClr val="2B91AF"/>
                 </a:solidFill>
@@ -29857,7 +29945,7 @@
               </a:rPr>
               <a:t>CreateUserResult</a:t>
             </a:r>
-            <a:endParaRPr lang="en-US" sz="1800" dirty="0">
+            <a:endParaRPr lang="en-US" sz="2000" dirty="0">
               <a:solidFill>
                 <a:srgbClr val="000000"/>
               </a:solidFill>
@@ -29869,7 +29957,7 @@
               <a:buNone/>
             </a:pPr>
             <a:r>
-              <a:rPr lang="ru-RU" sz="1800" dirty="0">
+              <a:rPr lang="ru-RU" sz="2000" dirty="0">
                 <a:solidFill>
                   <a:srgbClr val="000000"/>
                 </a:solidFill>
@@ -29883,7 +29971,7 @@
               <a:buNone/>
             </a:pPr>
             <a:r>
-              <a:rPr lang="en-US" sz="1800" dirty="0">
+              <a:rPr lang="en-US" sz="2000" dirty="0">
                 <a:solidFill>
                   <a:srgbClr val="000000"/>
                 </a:solidFill>
@@ -29892,7 +29980,7 @@
               <a:t>    </a:t>
             </a:r>
             <a:r>
-              <a:rPr lang="en-US" sz="1800" dirty="0">
+              <a:rPr lang="en-US" sz="2000" dirty="0">
                 <a:solidFill>
                   <a:srgbClr val="0000FF"/>
                 </a:solidFill>
@@ -29901,7 +29989,7 @@
               <a:t>private</a:t>
             </a:r>
             <a:r>
-              <a:rPr lang="en-US" sz="1800" dirty="0">
+              <a:rPr lang="en-US" sz="2000" dirty="0">
                 <a:solidFill>
                   <a:srgbClr val="000000"/>
                 </a:solidFill>
@@ -29910,7 +29998,7 @@
               <a:t> </a:t>
             </a:r>
             <a:r>
-              <a:rPr lang="en-US" sz="1800" dirty="0" err="1">
+              <a:rPr lang="en-US" sz="2000" dirty="0" err="1">
                 <a:solidFill>
                   <a:srgbClr val="2B91AF"/>
                 </a:solidFill>
@@ -29919,29 +30007,20 @@
               <a:t>CreateUserResult</a:t>
             </a:r>
             <a:r>
-              <a:rPr lang="en-US" sz="1800" dirty="0">
-                <a:solidFill>
-                  <a:srgbClr val="000000"/>
-                </a:solidFill>
-                <a:latin typeface="Cascadia Mono" panose="020B0609020000020004" pitchFamily="49" charset="0"/>
-              </a:rPr>
-              <a:t>()</a:t>
-            </a:r>
-            <a:r>
-              <a:rPr lang="ru-RU" sz="1800" dirty="0">
-                <a:solidFill>
-                  <a:srgbClr val="000000"/>
-                </a:solidFill>
-                <a:latin typeface="Cascadia Mono" panose="020B0609020000020004" pitchFamily="49" charset="0"/>
-              </a:rPr>
-              <a:t> { }</a:t>
+              <a:rPr lang="en-US" sz="2000" dirty="0">
+                <a:solidFill>
+                  <a:srgbClr val="000000"/>
+                </a:solidFill>
+                <a:latin typeface="Cascadia Mono" panose="020B0609020000020004" pitchFamily="49" charset="0"/>
+              </a:rPr>
+              <a:t>() { }</a:t>
             </a:r>
           </a:p>
           <a:p>
             <a:pPr marL="0" indent="0">
               <a:buNone/>
             </a:pPr>
-            <a:endParaRPr lang="ru-RU" sz="1800" dirty="0">
+            <a:endParaRPr lang="ru-RU" sz="2000" dirty="0">
               <a:solidFill>
                 <a:srgbClr val="000000"/>
               </a:solidFill>
@@ -29953,7 +30032,7 @@
               <a:buNone/>
             </a:pPr>
             <a:r>
-              <a:rPr lang="en-US" sz="1800" dirty="0">
+              <a:rPr lang="en-US" sz="2000" dirty="0">
                 <a:solidFill>
                   <a:srgbClr val="000000"/>
                 </a:solidFill>
@@ -29962,7 +30041,7 @@
               <a:t>    </a:t>
             </a:r>
             <a:r>
-              <a:rPr lang="en-US" sz="1800" dirty="0">
+              <a:rPr lang="en-US" sz="2000" dirty="0">
                 <a:solidFill>
                   <a:srgbClr val="0000FF"/>
                 </a:solidFill>
@@ -29971,7 +30050,7 @@
               <a:t>public</a:t>
             </a:r>
             <a:r>
-              <a:rPr lang="en-US" sz="1800" dirty="0">
+              <a:rPr lang="en-US" sz="2000" dirty="0">
                 <a:solidFill>
                   <a:srgbClr val="000000"/>
                 </a:solidFill>
@@ -29980,7 +30059,7 @@
               <a:t> </a:t>
             </a:r>
             <a:r>
-              <a:rPr lang="en-US" sz="1800" dirty="0">
+              <a:rPr lang="en-US" sz="2000" dirty="0">
                 <a:solidFill>
                   <a:srgbClr val="0000FF"/>
                 </a:solidFill>
@@ -29989,7 +30068,7 @@
               <a:t>sealed</a:t>
             </a:r>
             <a:r>
-              <a:rPr lang="en-US" sz="1800" dirty="0">
+              <a:rPr lang="en-US" sz="2000" dirty="0">
                 <a:solidFill>
                   <a:srgbClr val="000000"/>
                 </a:solidFill>
@@ -29998,16 +30077,16 @@
               <a:t> </a:t>
             </a:r>
             <a:r>
-              <a:rPr lang="en-US" sz="1800" dirty="0">
+              <a:rPr lang="en-US" sz="2000" dirty="0">
                 <a:solidFill>
                   <a:srgbClr val="0000FF"/>
                 </a:solidFill>
                 <a:latin typeface="Cascadia Mono" panose="020B0609020000020004" pitchFamily="49" charset="0"/>
               </a:rPr>
-              <a:t>record</a:t>
-            </a:r>
-            <a:r>
-              <a:rPr lang="en-US" sz="1800" dirty="0">
+              <a:t>class</a:t>
+            </a:r>
+            <a:r>
+              <a:rPr lang="en-US" sz="2000" dirty="0">
                 <a:solidFill>
                   <a:srgbClr val="000000"/>
                 </a:solidFill>
@@ -30016,7 +30095,7 @@
               <a:t> </a:t>
             </a:r>
             <a:r>
-              <a:rPr lang="en-US" sz="1800" dirty="0">
+              <a:rPr lang="en-US" sz="2000" dirty="0">
                 <a:solidFill>
                   <a:srgbClr val="2B91AF"/>
                 </a:solidFill>
@@ -30025,34 +30104,16 @@
               <a:t>Created</a:t>
             </a:r>
             <a:r>
-              <a:rPr lang="en-US" sz="1800" dirty="0">
-                <a:solidFill>
-                  <a:srgbClr val="000000"/>
-                </a:solidFill>
-                <a:latin typeface="Cascadia Mono" panose="020B0609020000020004" pitchFamily="49" charset="0"/>
-              </a:rPr>
-              <a:t>(</a:t>
-            </a:r>
-            <a:r>
-              <a:rPr lang="en-US" sz="1800" dirty="0" err="1">
-                <a:solidFill>
-                  <a:srgbClr val="000000"/>
-                </a:solidFill>
-                <a:latin typeface="Cascadia Mono" panose="020B0609020000020004" pitchFamily="49" charset="0"/>
-              </a:rPr>
-              <a:t>UserId</a:t>
-            </a:r>
-            <a:r>
-              <a:rPr lang="en-US" sz="1800" dirty="0">
-                <a:solidFill>
-                  <a:srgbClr val="000000"/>
-                </a:solidFill>
-                <a:latin typeface="Cascadia Mono" panose="020B0609020000020004" pitchFamily="49" charset="0"/>
-              </a:rPr>
-              <a:t> Id) : </a:t>
-            </a:r>
-            <a:r>
-              <a:rPr lang="en-US" sz="1800" dirty="0" err="1">
+              <a:rPr lang="en-US" sz="2000" dirty="0">
+                <a:solidFill>
+                  <a:srgbClr val="000000"/>
+                </a:solidFill>
+                <a:latin typeface="Cascadia Mono" panose="020B0609020000020004" pitchFamily="49" charset="0"/>
+              </a:rPr>
+              <a:t> : </a:t>
+            </a:r>
+            <a:r>
+              <a:rPr lang="en-US" sz="2000" dirty="0" err="1">
                 <a:solidFill>
                   <a:srgbClr val="000000"/>
                 </a:solidFill>
@@ -30060,243 +30121,7 @@
               </a:rPr>
               <a:t>CreateUserResult</a:t>
             </a:r>
-            <a:r>
-              <a:rPr lang="en-US" sz="1800" dirty="0">
-                <a:solidFill>
-                  <a:srgbClr val="000000"/>
-                </a:solidFill>
-                <a:latin typeface="Cascadia Mono" panose="020B0609020000020004" pitchFamily="49" charset="0"/>
-              </a:rPr>
-              <a:t>;</a:t>
-            </a:r>
-          </a:p>
-          <a:p>
-            <a:pPr marL="0" indent="0">
-              <a:buNone/>
-            </a:pPr>
-            <a:r>
-              <a:rPr lang="en-US" sz="1800" dirty="0">
-                <a:solidFill>
-                  <a:srgbClr val="000000"/>
-                </a:solidFill>
-                <a:latin typeface="Cascadia Mono" panose="020B0609020000020004" pitchFamily="49" charset="0"/>
-              </a:rPr>
-              <a:t>    </a:t>
-            </a:r>
-            <a:r>
-              <a:rPr lang="en-US" sz="1800" dirty="0">
-                <a:solidFill>
-                  <a:srgbClr val="0000FF"/>
-                </a:solidFill>
-                <a:latin typeface="Cascadia Mono" panose="020B0609020000020004" pitchFamily="49" charset="0"/>
-              </a:rPr>
-              <a:t>public</a:t>
-            </a:r>
-            <a:r>
-              <a:rPr lang="en-US" sz="1800" dirty="0">
-                <a:solidFill>
-                  <a:srgbClr val="000000"/>
-                </a:solidFill>
-                <a:latin typeface="Cascadia Mono" panose="020B0609020000020004" pitchFamily="49" charset="0"/>
-              </a:rPr>
-              <a:t> </a:t>
-            </a:r>
-            <a:r>
-              <a:rPr lang="en-US" sz="1800" dirty="0">
-                <a:solidFill>
-                  <a:srgbClr val="0000FF"/>
-                </a:solidFill>
-                <a:latin typeface="Cascadia Mono" panose="020B0609020000020004" pitchFamily="49" charset="0"/>
-              </a:rPr>
-              <a:t>sealed</a:t>
-            </a:r>
-            <a:r>
-              <a:rPr lang="en-US" sz="1800" dirty="0">
-                <a:solidFill>
-                  <a:srgbClr val="000000"/>
-                </a:solidFill>
-                <a:latin typeface="Cascadia Mono" panose="020B0609020000020004" pitchFamily="49" charset="0"/>
-              </a:rPr>
-              <a:t> </a:t>
-            </a:r>
-            <a:r>
-              <a:rPr lang="en-US" sz="1800" dirty="0">
-                <a:solidFill>
-                  <a:srgbClr val="0000FF"/>
-                </a:solidFill>
-                <a:latin typeface="Cascadia Mono" panose="020B0609020000020004" pitchFamily="49" charset="0"/>
-              </a:rPr>
-              <a:t>record</a:t>
-            </a:r>
-            <a:r>
-              <a:rPr lang="en-US" sz="1800" dirty="0">
-                <a:solidFill>
-                  <a:srgbClr val="000000"/>
-                </a:solidFill>
-                <a:latin typeface="Cascadia Mono" panose="020B0609020000020004" pitchFamily="49" charset="0"/>
-              </a:rPr>
-              <a:t> </a:t>
-            </a:r>
-            <a:r>
-              <a:rPr lang="en-US" sz="1800" dirty="0" err="1">
-                <a:solidFill>
-                  <a:srgbClr val="2B91AF"/>
-                </a:solidFill>
-                <a:latin typeface="Cascadia Mono" panose="020B0609020000020004" pitchFamily="49" charset="0"/>
-              </a:rPr>
-              <a:t>EmailAlreadyRegistered</a:t>
-            </a:r>
-            <a:r>
-              <a:rPr lang="en-US" sz="1800" dirty="0">
-                <a:solidFill>
-                  <a:srgbClr val="000000"/>
-                </a:solidFill>
-                <a:latin typeface="Cascadia Mono" panose="020B0609020000020004" pitchFamily="49" charset="0"/>
-              </a:rPr>
-              <a:t> : </a:t>
-            </a:r>
-            <a:r>
-              <a:rPr lang="en-US" sz="1800" dirty="0" err="1">
-                <a:solidFill>
-                  <a:srgbClr val="000000"/>
-                </a:solidFill>
-                <a:latin typeface="Cascadia Mono" panose="020B0609020000020004" pitchFamily="49" charset="0"/>
-              </a:rPr>
-              <a:t>CreateUserResult</a:t>
-            </a:r>
-            <a:r>
-              <a:rPr lang="en-US" sz="1800" dirty="0">
-                <a:solidFill>
-                  <a:srgbClr val="000000"/>
-                </a:solidFill>
-                <a:latin typeface="Cascadia Mono" panose="020B0609020000020004" pitchFamily="49" charset="0"/>
-              </a:rPr>
-              <a:t>;</a:t>
-            </a:r>
-          </a:p>
-          <a:p>
-            <a:pPr marL="0" indent="0">
-              <a:buNone/>
-            </a:pPr>
-            <a:r>
-              <a:rPr lang="en-US" sz="1800" dirty="0">
-                <a:solidFill>
-                  <a:srgbClr val="000000"/>
-                </a:solidFill>
-                <a:latin typeface="Cascadia Mono" panose="020B0609020000020004" pitchFamily="49" charset="0"/>
-              </a:rPr>
-              <a:t>    </a:t>
-            </a:r>
-            <a:r>
-              <a:rPr lang="en-US" sz="1800" dirty="0">
-                <a:solidFill>
-                  <a:srgbClr val="0000FF"/>
-                </a:solidFill>
-                <a:latin typeface="Cascadia Mono" panose="020B0609020000020004" pitchFamily="49" charset="0"/>
-              </a:rPr>
-              <a:t>public</a:t>
-            </a:r>
-            <a:r>
-              <a:rPr lang="en-US" sz="1800" dirty="0">
-                <a:solidFill>
-                  <a:srgbClr val="000000"/>
-                </a:solidFill>
-                <a:latin typeface="Cascadia Mono" panose="020B0609020000020004" pitchFamily="49" charset="0"/>
-              </a:rPr>
-              <a:t> </a:t>
-            </a:r>
-            <a:r>
-              <a:rPr lang="en-US" sz="1800" dirty="0">
-                <a:solidFill>
-                  <a:srgbClr val="0000FF"/>
-                </a:solidFill>
-                <a:latin typeface="Cascadia Mono" panose="020B0609020000020004" pitchFamily="49" charset="0"/>
-              </a:rPr>
-              <a:t>sealed</a:t>
-            </a:r>
-            <a:r>
-              <a:rPr lang="en-US" sz="1800" dirty="0">
-                <a:solidFill>
-                  <a:srgbClr val="000000"/>
-                </a:solidFill>
-                <a:latin typeface="Cascadia Mono" panose="020B0609020000020004" pitchFamily="49" charset="0"/>
-              </a:rPr>
-              <a:t> </a:t>
-            </a:r>
-            <a:r>
-              <a:rPr lang="en-US" sz="1800" dirty="0">
-                <a:solidFill>
-                  <a:srgbClr val="0000FF"/>
-                </a:solidFill>
-                <a:latin typeface="Cascadia Mono" panose="020B0609020000020004" pitchFamily="49" charset="0"/>
-              </a:rPr>
-              <a:t>record</a:t>
-            </a:r>
-            <a:r>
-              <a:rPr lang="en-US" sz="1800" dirty="0">
-                <a:solidFill>
-                  <a:srgbClr val="000000"/>
-                </a:solidFill>
-                <a:latin typeface="Cascadia Mono" panose="020B0609020000020004" pitchFamily="49" charset="0"/>
-              </a:rPr>
-              <a:t> </a:t>
-            </a:r>
-            <a:r>
-              <a:rPr lang="en-US" sz="1800" dirty="0" err="1">
-                <a:solidFill>
-                  <a:srgbClr val="2B91AF"/>
-                </a:solidFill>
-                <a:latin typeface="Cascadia Mono" panose="020B0609020000020004" pitchFamily="49" charset="0"/>
-              </a:rPr>
-              <a:t>ParentNotFound</a:t>
-            </a:r>
-            <a:r>
-              <a:rPr lang="en-US" sz="1800" dirty="0">
-                <a:solidFill>
-                  <a:srgbClr val="000000"/>
-                </a:solidFill>
-                <a:latin typeface="Cascadia Mono" panose="020B0609020000020004" pitchFamily="49" charset="0"/>
-              </a:rPr>
-              <a:t> : </a:t>
-            </a:r>
-            <a:r>
-              <a:rPr lang="en-US" sz="1800" dirty="0" err="1">
-                <a:solidFill>
-                  <a:srgbClr val="000000"/>
-                </a:solidFill>
-                <a:latin typeface="Cascadia Mono" panose="020B0609020000020004" pitchFamily="49" charset="0"/>
-              </a:rPr>
-              <a:t>CreateUserResult</a:t>
-            </a:r>
-            <a:r>
-              <a:rPr lang="en-US" sz="1800" dirty="0">
-                <a:solidFill>
-                  <a:srgbClr val="000000"/>
-                </a:solidFill>
-                <a:latin typeface="Cascadia Mono" panose="020B0609020000020004" pitchFamily="49" charset="0"/>
-              </a:rPr>
-              <a:t>;</a:t>
-            </a:r>
-          </a:p>
-          <a:p>
-            <a:pPr marL="0" indent="0">
-              <a:buNone/>
-            </a:pPr>
-            <a:r>
-              <a:rPr lang="ru-RU" sz="1800" dirty="0">
-                <a:solidFill>
-                  <a:srgbClr val="000000"/>
-                </a:solidFill>
-                <a:latin typeface="Cascadia Mono" panose="020B0609020000020004" pitchFamily="49" charset="0"/>
-              </a:rPr>
-              <a:t>}</a:t>
-            </a:r>
-          </a:p>
-          <a:p>
-            <a:pPr marL="0" indent="0">
-              <a:buNone/>
-            </a:pPr>
-            <a:endParaRPr lang="ru-RU" sz="1800" dirty="0">
+            <a:endParaRPr lang="en-US" sz="2000" dirty="0">
               <a:solidFill>
                 <a:srgbClr val="000000"/>
               </a:solidFill>
@@ -30308,22 +30133,13 @@
               <a:buNone/>
             </a:pPr>
             <a:r>
-              <a:rPr lang="en-US" sz="1800" dirty="0" err="1">
-                <a:solidFill>
-                  <a:srgbClr val="000000"/>
-                </a:solidFill>
-                <a:latin typeface="Cascadia Mono" panose="020B0609020000020004" pitchFamily="49" charset="0"/>
-              </a:rPr>
-              <a:t>CreateUserResult</a:t>
-            </a:r>
-            <a:r>
-              <a:rPr lang="en-US" sz="1800" dirty="0">
-                <a:solidFill>
-                  <a:srgbClr val="000000"/>
-                </a:solidFill>
-                <a:latin typeface="Cascadia Mono" panose="020B0609020000020004" pitchFamily="49" charset="0"/>
-              </a:rPr>
-              <a:t> result = ...;</a:t>
+              <a:rPr lang="ru-RU" sz="2000" dirty="0">
+                <a:solidFill>
+                  <a:srgbClr val="000000"/>
+                </a:solidFill>
+                <a:latin typeface="Cascadia Mono" panose="020B0609020000020004" pitchFamily="49" charset="0"/>
+              </a:rPr>
+              <a:t>    {</a:t>
             </a:r>
           </a:p>
           <a:p>
@@ -30331,24 +30147,88 @@
               <a:buNone/>
             </a:pPr>
             <a:r>
-              <a:rPr lang="en-US" sz="1800" dirty="0">
-                <a:solidFill>
-                  <a:srgbClr val="000000"/>
-                </a:solidFill>
-                <a:latin typeface="Cascadia Mono" panose="020B0609020000020004" pitchFamily="49" charset="0"/>
-              </a:rPr>
-              <a:t>result </a:t>
-            </a:r>
-            <a:r>
-              <a:rPr lang="en-US" sz="1800" dirty="0">
+              <a:rPr lang="en-US" sz="2000" dirty="0">
+                <a:solidFill>
+                  <a:srgbClr val="000000"/>
+                </a:solidFill>
+                <a:latin typeface="Cascadia Mono" panose="020B0609020000020004" pitchFamily="49" charset="0"/>
+              </a:rPr>
+              <a:t>        </a:t>
+            </a:r>
+            <a:r>
+              <a:rPr lang="en-US" sz="2000" dirty="0">
                 <a:solidFill>
                   <a:srgbClr val="0000FF"/>
                 </a:solidFill>
                 <a:latin typeface="Cascadia Mono" panose="020B0609020000020004" pitchFamily="49" charset="0"/>
               </a:rPr>
-              <a:t>switch</a:t>
-            </a:r>
-            <a:endParaRPr lang="en-US" sz="1800" dirty="0">
+              <a:t>public</a:t>
+            </a:r>
+            <a:r>
+              <a:rPr lang="en-US" sz="2000" dirty="0">
+                <a:solidFill>
+                  <a:srgbClr val="000000"/>
+                </a:solidFill>
+                <a:latin typeface="Cascadia Mono" panose="020B0609020000020004" pitchFamily="49" charset="0"/>
+              </a:rPr>
+              <a:t> </a:t>
+            </a:r>
+            <a:r>
+              <a:rPr lang="en-US" sz="2000" dirty="0" err="1">
+                <a:solidFill>
+                  <a:srgbClr val="000000"/>
+                </a:solidFill>
+                <a:latin typeface="Cascadia Mono" panose="020B0609020000020004" pitchFamily="49" charset="0"/>
+              </a:rPr>
+              <a:t>UserId</a:t>
+            </a:r>
+            <a:r>
+              <a:rPr lang="en-US" sz="2000" dirty="0">
+                <a:solidFill>
+                  <a:srgbClr val="000000"/>
+                </a:solidFill>
+                <a:latin typeface="Cascadia Mono" panose="020B0609020000020004" pitchFamily="49" charset="0"/>
+              </a:rPr>
+              <a:t> Id { </a:t>
+            </a:r>
+            <a:r>
+              <a:rPr lang="en-US" sz="2000" dirty="0">
+                <a:solidFill>
+                  <a:srgbClr val="0000FF"/>
+                </a:solidFill>
+                <a:latin typeface="Cascadia Mono" panose="020B0609020000020004" pitchFamily="49" charset="0"/>
+              </a:rPr>
+              <a:t>get</a:t>
+            </a:r>
+            <a:r>
+              <a:rPr lang="en-US" sz="2000" dirty="0">
+                <a:solidFill>
+                  <a:srgbClr val="000000"/>
+                </a:solidFill>
+                <a:latin typeface="Cascadia Mono" panose="020B0609020000020004" pitchFamily="49" charset="0"/>
+              </a:rPr>
+              <a:t>; }</a:t>
+            </a:r>
+          </a:p>
+          <a:p>
+            <a:pPr marL="0" indent="0">
+              <a:buNone/>
+            </a:pPr>
+            <a:r>
+              <a:rPr lang="ru-RU" sz="2000" dirty="0">
+                <a:solidFill>
+                  <a:srgbClr val="000000"/>
+                </a:solidFill>
+                <a:latin typeface="Cascadia Mono" panose="020B0609020000020004" pitchFamily="49" charset="0"/>
+              </a:rPr>
+              <a:t>    }</a:t>
+            </a:r>
+          </a:p>
+          <a:p>
+            <a:pPr marL="0" indent="0">
+              <a:buNone/>
+            </a:pPr>
+            <a:endParaRPr lang="ru-RU" sz="2000" dirty="0">
               <a:solidFill>
                 <a:srgbClr val="000000"/>
               </a:solidFill>
@@ -30360,21 +30240,122 @@
               <a:buNone/>
             </a:pPr>
             <a:r>
-              <a:rPr lang="ru-RU" sz="1800" dirty="0">
-                <a:solidFill>
-                  <a:srgbClr val="000000"/>
-                </a:solidFill>
-                <a:latin typeface="Cascadia Mono" panose="020B0609020000020004" pitchFamily="49" charset="0"/>
-              </a:rPr>
-              <a:t>{</a:t>
+              <a:rPr lang="en-US" sz="2000" dirty="0">
+                <a:solidFill>
+                  <a:srgbClr val="000000"/>
+                </a:solidFill>
+                <a:latin typeface="Cascadia Mono" panose="020B0609020000020004" pitchFamily="49" charset="0"/>
+              </a:rPr>
+              <a:t>    </a:t>
+            </a:r>
+            <a:r>
+              <a:rPr lang="en-US" sz="2000" dirty="0">
+                <a:solidFill>
+                  <a:srgbClr val="0000FF"/>
+                </a:solidFill>
+                <a:latin typeface="Cascadia Mono" panose="020B0609020000020004" pitchFamily="49" charset="0"/>
+              </a:rPr>
+              <a:t>public</a:t>
+            </a:r>
+            <a:r>
+              <a:rPr lang="en-US" sz="2000" dirty="0">
+                <a:solidFill>
+                  <a:srgbClr val="000000"/>
+                </a:solidFill>
+                <a:latin typeface="Cascadia Mono" panose="020B0609020000020004" pitchFamily="49" charset="0"/>
+              </a:rPr>
+              <a:t> </a:t>
+            </a:r>
+            <a:r>
+              <a:rPr lang="en-US" sz="2000" dirty="0">
+                <a:solidFill>
+                  <a:srgbClr val="0000FF"/>
+                </a:solidFill>
+                <a:latin typeface="Cascadia Mono" panose="020B0609020000020004" pitchFamily="49" charset="0"/>
+              </a:rPr>
+              <a:t>sealed</a:t>
+            </a:r>
+            <a:r>
+              <a:rPr lang="en-US" sz="2000" dirty="0">
+                <a:solidFill>
+                  <a:srgbClr val="000000"/>
+                </a:solidFill>
+                <a:latin typeface="Cascadia Mono" panose="020B0609020000020004" pitchFamily="49" charset="0"/>
+              </a:rPr>
+              <a:t> </a:t>
+            </a:r>
+            <a:r>
+              <a:rPr lang="en-US" sz="2000" dirty="0">
+                <a:solidFill>
+                  <a:srgbClr val="0000FF"/>
+                </a:solidFill>
+                <a:latin typeface="Cascadia Mono" panose="020B0609020000020004" pitchFamily="49" charset="0"/>
+              </a:rPr>
+              <a:t>class</a:t>
+            </a:r>
+            <a:r>
+              <a:rPr lang="en-US" sz="2000" dirty="0">
+                <a:solidFill>
+                  <a:srgbClr val="000000"/>
+                </a:solidFill>
+                <a:latin typeface="Cascadia Mono" panose="020B0609020000020004" pitchFamily="49" charset="0"/>
+              </a:rPr>
+              <a:t> </a:t>
+            </a:r>
+            <a:r>
+              <a:rPr lang="en-US" sz="2000" dirty="0" err="1">
+                <a:solidFill>
+                  <a:srgbClr val="2B91AF"/>
+                </a:solidFill>
+                <a:latin typeface="Cascadia Mono" panose="020B0609020000020004" pitchFamily="49" charset="0"/>
+              </a:rPr>
+              <a:t>EmailAlreadyRegistered</a:t>
+            </a:r>
+            <a:r>
+              <a:rPr lang="en-US" sz="2000" dirty="0">
+                <a:solidFill>
+                  <a:srgbClr val="000000"/>
+                </a:solidFill>
+                <a:latin typeface="Cascadia Mono" panose="020B0609020000020004" pitchFamily="49" charset="0"/>
+              </a:rPr>
+              <a:t> : </a:t>
+            </a:r>
+            <a:r>
+              <a:rPr lang="en-US" sz="2000" dirty="0" err="1">
+                <a:solidFill>
+                  <a:srgbClr val="000000"/>
+                </a:solidFill>
+                <a:latin typeface="Cascadia Mono" panose="020B0609020000020004" pitchFamily="49" charset="0"/>
+              </a:rPr>
+              <a:t>CreateUserResult</a:t>
+            </a:r>
+            <a:r>
+              <a:rPr lang="en-US" sz="2000" dirty="0">
+                <a:solidFill>
+                  <a:srgbClr val="000000"/>
+                </a:solidFill>
+                <a:latin typeface="Cascadia Mono" panose="020B0609020000020004" pitchFamily="49" charset="0"/>
+              </a:rPr>
+              <a:t> { }</a:t>
             </a:r>
           </a:p>
           <a:p>
             <a:pPr marL="0" indent="0">
               <a:buNone/>
             </a:pPr>
-            <a:r>
-              <a:rPr lang="en-US" sz="1800" dirty="0">
+            <a:endParaRPr lang="ru-RU" sz="2000" dirty="0">
+              <a:solidFill>
+                <a:srgbClr val="000000"/>
+              </a:solidFill>
+              <a:latin typeface="Cascadia Mono" panose="020B0609020000020004" pitchFamily="49" charset="0"/>
+            </a:endParaRPr>
+          </a:p>
+          <a:p>
+            <a:pPr marL="0" indent="0">
+              <a:buNone/>
+            </a:pPr>
+            <a:r>
+              <a:rPr lang="en-US" sz="2000" dirty="0">
                 <a:solidFill>
                   <a:srgbClr val="000000"/>
                 </a:solidFill>
@@ -30383,22 +30364,94 @@
               <a:t>    </a:t>
             </a:r>
             <a:r>
-              <a:rPr lang="en-US" sz="1800" dirty="0" err="1">
-                <a:solidFill>
-                  <a:srgbClr val="000000"/>
-                </a:solidFill>
-                <a:latin typeface="Cascadia Mono" panose="020B0609020000020004" pitchFamily="49" charset="0"/>
-              </a:rPr>
-              <a:t>CreateUserResult.Created</a:t>
-            </a:r>
-            <a:r>
-              <a:rPr lang="en-US" sz="1800" dirty="0">
-                <a:solidFill>
-                  <a:srgbClr val="000000"/>
-                </a:solidFill>
-                <a:latin typeface="Cascadia Mono" panose="020B0609020000020004" pitchFamily="49" charset="0"/>
-              </a:rPr>
-              <a:t> created =&gt; ...,</a:t>
+              <a:rPr lang="en-US" sz="2000" dirty="0">
+                <a:solidFill>
+                  <a:srgbClr val="0000FF"/>
+                </a:solidFill>
+                <a:latin typeface="Cascadia Mono" panose="020B0609020000020004" pitchFamily="49" charset="0"/>
+              </a:rPr>
+              <a:t>public</a:t>
+            </a:r>
+            <a:r>
+              <a:rPr lang="en-US" sz="2000" dirty="0">
+                <a:solidFill>
+                  <a:srgbClr val="000000"/>
+                </a:solidFill>
+                <a:latin typeface="Cascadia Mono" panose="020B0609020000020004" pitchFamily="49" charset="0"/>
+              </a:rPr>
+              <a:t> </a:t>
+            </a:r>
+            <a:r>
+              <a:rPr lang="en-US" sz="2000" dirty="0">
+                <a:solidFill>
+                  <a:srgbClr val="0000FF"/>
+                </a:solidFill>
+                <a:latin typeface="Cascadia Mono" panose="020B0609020000020004" pitchFamily="49" charset="0"/>
+              </a:rPr>
+              <a:t>sealed</a:t>
+            </a:r>
+            <a:r>
+              <a:rPr lang="en-US" sz="2000" dirty="0">
+                <a:solidFill>
+                  <a:srgbClr val="000000"/>
+                </a:solidFill>
+                <a:latin typeface="Cascadia Mono" panose="020B0609020000020004" pitchFamily="49" charset="0"/>
+              </a:rPr>
+              <a:t> </a:t>
+            </a:r>
+            <a:r>
+              <a:rPr lang="en-US" sz="2000" dirty="0">
+                <a:solidFill>
+                  <a:srgbClr val="0000FF"/>
+                </a:solidFill>
+                <a:latin typeface="Cascadia Mono" panose="020B0609020000020004" pitchFamily="49" charset="0"/>
+              </a:rPr>
+              <a:t>class</a:t>
+            </a:r>
+            <a:r>
+              <a:rPr lang="en-US" sz="2000" dirty="0">
+                <a:solidFill>
+                  <a:srgbClr val="000000"/>
+                </a:solidFill>
+                <a:latin typeface="Cascadia Mono" panose="020B0609020000020004" pitchFamily="49" charset="0"/>
+              </a:rPr>
+              <a:t> </a:t>
+            </a:r>
+            <a:r>
+              <a:rPr lang="en-US" sz="2000" dirty="0" err="1">
+                <a:solidFill>
+                  <a:srgbClr val="2B91AF"/>
+                </a:solidFill>
+                <a:latin typeface="Cascadia Mono" panose="020B0609020000020004" pitchFamily="49" charset="0"/>
+              </a:rPr>
+              <a:t>ParentNotFound</a:t>
+            </a:r>
+            <a:r>
+              <a:rPr lang="en-US" sz="2000" dirty="0">
+                <a:solidFill>
+                  <a:srgbClr val="000000"/>
+                </a:solidFill>
+                <a:latin typeface="Cascadia Mono" panose="020B0609020000020004" pitchFamily="49" charset="0"/>
+              </a:rPr>
+              <a:t> : </a:t>
+            </a:r>
+            <a:r>
+              <a:rPr lang="en-US" sz="2000" dirty="0" err="1">
+                <a:solidFill>
+                  <a:srgbClr val="000000"/>
+                </a:solidFill>
+                <a:latin typeface="Cascadia Mono" panose="020B0609020000020004" pitchFamily="49" charset="0"/>
+              </a:rPr>
+              <a:t>CreateUserResult</a:t>
+            </a:r>
+            <a:r>
+              <a:rPr lang="en-US" sz="2000" dirty="0">
+                <a:solidFill>
+                  <a:srgbClr val="000000"/>
+                </a:solidFill>
+                <a:latin typeface="Cascadia Mono" panose="020B0609020000020004" pitchFamily="49" charset="0"/>
+              </a:rPr>
+              <a:t> { }</a:t>
             </a:r>
           </a:p>
           <a:p>
@@ -30406,165 +30459,15 @@
               <a:buNone/>
             </a:pPr>
             <a:r>
-              <a:rPr lang="en-US" sz="1800" dirty="0">
-                <a:solidFill>
-                  <a:srgbClr val="000000"/>
-                </a:solidFill>
-                <a:latin typeface="Cascadia Mono" panose="020B0609020000020004" pitchFamily="49" charset="0"/>
-              </a:rPr>
-              <a:t>    </a:t>
-            </a:r>
-            <a:r>
-              <a:rPr lang="en-US" sz="1800" dirty="0" err="1">
-                <a:solidFill>
-                  <a:srgbClr val="000000"/>
-                </a:solidFill>
-                <a:latin typeface="Cascadia Mono" panose="020B0609020000020004" pitchFamily="49" charset="0"/>
-              </a:rPr>
-              <a:t>CreateUserResult.EmailAlreadyRegistered</a:t>
-            </a:r>
-            <a:r>
-              <a:rPr lang="en-US" sz="1800" dirty="0">
-                <a:solidFill>
-                  <a:srgbClr val="000000"/>
-                </a:solidFill>
-                <a:latin typeface="Cascadia Mono" panose="020B0609020000020004" pitchFamily="49" charset="0"/>
-              </a:rPr>
-              <a:t> =&gt; ...,</a:t>
-            </a:r>
-          </a:p>
-          <a:p>
-            <a:pPr marL="0" indent="0">
-              <a:buNone/>
-            </a:pPr>
-            <a:r>
-              <a:rPr lang="en-US" sz="1800" dirty="0">
-                <a:solidFill>
-                  <a:srgbClr val="000000"/>
-                </a:solidFill>
-                <a:latin typeface="Cascadia Mono" panose="020B0609020000020004" pitchFamily="49" charset="0"/>
-              </a:rPr>
-              <a:t>    </a:t>
-            </a:r>
-            <a:r>
-              <a:rPr lang="en-US" sz="1800" dirty="0" err="1">
-                <a:solidFill>
-                  <a:srgbClr val="000000"/>
-                </a:solidFill>
-                <a:latin typeface="Cascadia Mono" panose="020B0609020000020004" pitchFamily="49" charset="0"/>
-              </a:rPr>
-              <a:t>CreateUserResult.ParentNotFound</a:t>
-            </a:r>
-            <a:r>
-              <a:rPr lang="en-US" sz="1800" dirty="0">
-                <a:solidFill>
-                  <a:srgbClr val="000000"/>
-                </a:solidFill>
-                <a:latin typeface="Cascadia Mono" panose="020B0609020000020004" pitchFamily="49" charset="0"/>
-              </a:rPr>
-              <a:t> =&gt; ...,</a:t>
-            </a:r>
-          </a:p>
-          <a:p>
-            <a:pPr marL="0" indent="0">
-              <a:buNone/>
-            </a:pPr>
-            <a:r>
-              <a:rPr lang="en-US" sz="1800" dirty="0">
-                <a:solidFill>
-                  <a:srgbClr val="000000"/>
-                </a:solidFill>
-                <a:latin typeface="Cascadia Mono" panose="020B0609020000020004" pitchFamily="49" charset="0"/>
-              </a:rPr>
-              <a:t>    </a:t>
-            </a:r>
-            <a:r>
-              <a:rPr lang="en-US" sz="1800" dirty="0">
-                <a:solidFill>
-                  <a:srgbClr val="0000FF"/>
-                </a:solidFill>
-                <a:latin typeface="Cascadia Mono" panose="020B0609020000020004" pitchFamily="49" charset="0"/>
-              </a:rPr>
-              <a:t>_</a:t>
-            </a:r>
-            <a:r>
-              <a:rPr lang="en-US" sz="1800" dirty="0">
-                <a:solidFill>
-                  <a:srgbClr val="000000"/>
-                </a:solidFill>
-                <a:latin typeface="Cascadia Mono" panose="020B0609020000020004" pitchFamily="49" charset="0"/>
-              </a:rPr>
-              <a:t> =&gt; </a:t>
-            </a:r>
-            <a:r>
-              <a:rPr lang="en-US" sz="1800" dirty="0">
-                <a:solidFill>
-                  <a:srgbClr val="0000FF"/>
-                </a:solidFill>
-                <a:latin typeface="Cascadia Mono" panose="020B0609020000020004" pitchFamily="49" charset="0"/>
-              </a:rPr>
-              <a:t>throw</a:t>
-            </a:r>
-            <a:r>
-              <a:rPr lang="en-US" sz="1800" dirty="0">
-                <a:solidFill>
-                  <a:srgbClr val="000000"/>
-                </a:solidFill>
-                <a:latin typeface="Cascadia Mono" panose="020B0609020000020004" pitchFamily="49" charset="0"/>
-              </a:rPr>
-              <a:t> </a:t>
-            </a:r>
-            <a:r>
-              <a:rPr lang="en-US" sz="1800" dirty="0">
-                <a:solidFill>
-                  <a:srgbClr val="0000FF"/>
-                </a:solidFill>
-                <a:latin typeface="Cascadia Mono" panose="020B0609020000020004" pitchFamily="49" charset="0"/>
-              </a:rPr>
-              <a:t>new</a:t>
-            </a:r>
-            <a:r>
-              <a:rPr lang="en-US" sz="1800" dirty="0">
-                <a:solidFill>
-                  <a:srgbClr val="000000"/>
-                </a:solidFill>
-                <a:latin typeface="Cascadia Mono" panose="020B0609020000020004" pitchFamily="49" charset="0"/>
-              </a:rPr>
-              <a:t> </a:t>
-            </a:r>
-            <a:r>
-              <a:rPr lang="en-US" sz="1800" dirty="0" err="1">
-                <a:solidFill>
-                  <a:srgbClr val="000000"/>
-                </a:solidFill>
-                <a:latin typeface="Cascadia Mono" panose="020B0609020000020004" pitchFamily="49" charset="0"/>
-              </a:rPr>
-              <a:t>SwitchExpressionException</a:t>
-            </a:r>
-            <a:r>
-              <a:rPr lang="en-US" sz="1800" dirty="0">
-                <a:solidFill>
-                  <a:srgbClr val="000000"/>
-                </a:solidFill>
-                <a:latin typeface="Cascadia Mono" panose="020B0609020000020004" pitchFamily="49" charset="0"/>
-              </a:rPr>
-              <a:t>()</a:t>
-            </a:r>
-          </a:p>
-          <a:p>
-            <a:pPr marL="0" indent="0">
-              <a:buNone/>
-            </a:pPr>
-            <a:r>
-              <a:rPr lang="ru-RU" sz="1800" dirty="0">
-                <a:solidFill>
-                  <a:srgbClr val="000000"/>
-                </a:solidFill>
-                <a:latin typeface="Cascadia Mono" panose="020B0609020000020004" pitchFamily="49" charset="0"/>
-              </a:rPr>
-              <a:t>};</a:t>
-            </a:r>
-            <a:endParaRPr lang="en-US" dirty="0"/>
+              <a:rPr lang="ru-RU" sz="2000" dirty="0">
+                <a:solidFill>
+                  <a:srgbClr val="000000"/>
+                </a:solidFill>
+                <a:latin typeface="Cascadia Mono" panose="020B0609020000020004" pitchFamily="49" charset="0"/>
+              </a:rPr>
+              <a:t>}</a:t>
+            </a:r>
+            <a:endParaRPr lang="en-US" sz="3200" dirty="0"/>
           </a:p>
         </p:txBody>
       </p:sp>
@@ -30629,10 +30532,10 @@
       </p:grpSpPr>
       <p:sp>
         <p:nvSpPr>
-          <p:cNvPr id="2" name="Title 1">
+          <p:cNvPr id="3" name="Content Placeholder 2">
             <a:extLst>
               <a:ext uri="{FF2B5EF4-FFF2-40B4-BE49-F238E27FC236}">
-                <a16:creationId xmlns:a16="http://schemas.microsoft.com/office/drawing/2014/main" id="{BB2FDE61-A067-0606-C44D-1B447508DE78}"/>
+                <a16:creationId xmlns:a16="http://schemas.microsoft.com/office/drawing/2014/main" id="{9CE18EB3-1AA5-D3AD-BF51-7B1CBD300271}"/>
               </a:ext>
             </a:extLst>
           </p:cNvPr>
@@ -30640,31 +30543,318 @@
             <a:spLocks noGrp="1"/>
           </p:cNvSpPr>
           <p:nvPr>
-            <p:ph type="ctrTitle"/>
+            <p:ph idx="1"/>
           </p:nvPr>
         </p:nvSpPr>
         <p:spPr>
           <a:xfrm>
-            <a:off x="1524000" y="1384867"/>
-            <a:ext cx="9144000" cy="4088266"/>
+            <a:off x="838200" y="265043"/>
+            <a:ext cx="10515600" cy="5911920"/>
           </a:xfrm>
         </p:spPr>
         <p:txBody>
-          <a:bodyPr anchor="ctr"/>
-          <a:lstStyle/>
-          <a:p>
-            <a:r>
-              <a:rPr lang="ru-RU" dirty="0"/>
-              <a:t>Демо</a:t>
-            </a:r>
-            <a:endParaRPr lang="en-US" dirty="0"/>
+          <a:bodyPr anchor="ctr">
+            <a:normAutofit/>
+          </a:bodyPr>
+          <a:lstStyle/>
+          <a:p>
+            <a:pPr marL="0" indent="0">
+              <a:buNone/>
+            </a:pPr>
+            <a:r>
+              <a:rPr lang="en-US" sz="2400" dirty="0" err="1">
+                <a:solidFill>
+                  <a:srgbClr val="000000"/>
+                </a:solidFill>
+                <a:latin typeface="Cascadia Mono" panose="020B0609020000020004" pitchFamily="49" charset="0"/>
+              </a:rPr>
+              <a:t>CreateUserResult</a:t>
+            </a:r>
+            <a:r>
+              <a:rPr lang="en-US" sz="2400" dirty="0">
+                <a:solidFill>
+                  <a:srgbClr val="000000"/>
+                </a:solidFill>
+                <a:latin typeface="Cascadia Mono" panose="020B0609020000020004" pitchFamily="49" charset="0"/>
+              </a:rPr>
+              <a:t> result = ...;</a:t>
+            </a:r>
+          </a:p>
+          <a:p>
+            <a:pPr marL="0" indent="0">
+              <a:buNone/>
+            </a:pPr>
+            <a:r>
+              <a:rPr lang="en-US" sz="2400" dirty="0">
+                <a:solidFill>
+                  <a:srgbClr val="000000"/>
+                </a:solidFill>
+                <a:latin typeface="Cascadia Mono" panose="020B0609020000020004" pitchFamily="49" charset="0"/>
+              </a:rPr>
+              <a:t>result </a:t>
+            </a:r>
+            <a:r>
+              <a:rPr lang="en-US" sz="2400" dirty="0">
+                <a:solidFill>
+                  <a:srgbClr val="0000FF"/>
+                </a:solidFill>
+                <a:latin typeface="Cascadia Mono" panose="020B0609020000020004" pitchFamily="49" charset="0"/>
+              </a:rPr>
+              <a:t>switch</a:t>
+            </a:r>
+            <a:endParaRPr lang="en-US" sz="2400" dirty="0">
+              <a:solidFill>
+                <a:srgbClr val="000000"/>
+              </a:solidFill>
+              <a:latin typeface="Cascadia Mono" panose="020B0609020000020004" pitchFamily="49" charset="0"/>
+            </a:endParaRPr>
+          </a:p>
+          <a:p>
+            <a:pPr marL="0" indent="0">
+              <a:buNone/>
+            </a:pPr>
+            <a:r>
+              <a:rPr lang="ru-RU" sz="2400" dirty="0">
+                <a:solidFill>
+                  <a:srgbClr val="000000"/>
+                </a:solidFill>
+                <a:latin typeface="Cascadia Mono" panose="020B0609020000020004" pitchFamily="49" charset="0"/>
+              </a:rPr>
+              <a:t>{</a:t>
+            </a:r>
+          </a:p>
+          <a:p>
+            <a:pPr marL="0" indent="0">
+              <a:buNone/>
+            </a:pPr>
+            <a:r>
+              <a:rPr lang="en-US" sz="2400" dirty="0">
+                <a:solidFill>
+                  <a:srgbClr val="000000"/>
+                </a:solidFill>
+                <a:latin typeface="Cascadia Mono" panose="020B0609020000020004" pitchFamily="49" charset="0"/>
+              </a:rPr>
+              <a:t>    </a:t>
+            </a:r>
+            <a:r>
+              <a:rPr lang="en-US" sz="2400" dirty="0" err="1">
+                <a:solidFill>
+                  <a:srgbClr val="000000"/>
+                </a:solidFill>
+                <a:latin typeface="Cascadia Mono" panose="020B0609020000020004" pitchFamily="49" charset="0"/>
+              </a:rPr>
+              <a:t>CreateUserResult.Created</a:t>
+            </a:r>
+            <a:r>
+              <a:rPr lang="en-US" sz="2400" dirty="0">
+                <a:solidFill>
+                  <a:srgbClr val="000000"/>
+                </a:solidFill>
+                <a:latin typeface="Cascadia Mono" panose="020B0609020000020004" pitchFamily="49" charset="0"/>
+              </a:rPr>
+              <a:t> created =&gt; ...,</a:t>
+            </a:r>
+          </a:p>
+          <a:p>
+            <a:pPr marL="0" indent="0">
+              <a:buNone/>
+            </a:pPr>
+            <a:r>
+              <a:rPr lang="en-US" sz="2400" dirty="0">
+                <a:solidFill>
+                  <a:srgbClr val="000000"/>
+                </a:solidFill>
+                <a:latin typeface="Cascadia Mono" panose="020B0609020000020004" pitchFamily="49" charset="0"/>
+              </a:rPr>
+              <a:t>    </a:t>
+            </a:r>
+            <a:r>
+              <a:rPr lang="en-US" sz="2400" dirty="0" err="1">
+                <a:solidFill>
+                  <a:srgbClr val="000000"/>
+                </a:solidFill>
+                <a:latin typeface="Cascadia Mono" panose="020B0609020000020004" pitchFamily="49" charset="0"/>
+              </a:rPr>
+              <a:t>CreateUserResult.EmailAlreadyRegistered</a:t>
+            </a:r>
+            <a:r>
+              <a:rPr lang="en-US" sz="2400" dirty="0">
+                <a:solidFill>
+                  <a:srgbClr val="000000"/>
+                </a:solidFill>
+                <a:latin typeface="Cascadia Mono" panose="020B0609020000020004" pitchFamily="49" charset="0"/>
+              </a:rPr>
+              <a:t> =&gt; ...,</a:t>
+            </a:r>
+          </a:p>
+          <a:p>
+            <a:pPr marL="0" indent="0">
+              <a:buNone/>
+            </a:pPr>
+            <a:r>
+              <a:rPr lang="en-US" sz="2400" dirty="0">
+                <a:solidFill>
+                  <a:srgbClr val="000000"/>
+                </a:solidFill>
+                <a:latin typeface="Cascadia Mono" panose="020B0609020000020004" pitchFamily="49" charset="0"/>
+              </a:rPr>
+              <a:t>    </a:t>
+            </a:r>
+            <a:r>
+              <a:rPr lang="en-US" sz="2400" dirty="0" err="1">
+                <a:solidFill>
+                  <a:srgbClr val="000000"/>
+                </a:solidFill>
+                <a:latin typeface="Cascadia Mono" panose="020B0609020000020004" pitchFamily="49" charset="0"/>
+              </a:rPr>
+              <a:t>CreateUserResult.ParentNotFound</a:t>
+            </a:r>
+            <a:r>
+              <a:rPr lang="en-US" sz="2400" dirty="0">
+                <a:solidFill>
+                  <a:srgbClr val="000000"/>
+                </a:solidFill>
+                <a:latin typeface="Cascadia Mono" panose="020B0609020000020004" pitchFamily="49" charset="0"/>
+              </a:rPr>
+              <a:t> =&gt; ...,</a:t>
+            </a:r>
+          </a:p>
+          <a:p>
+            <a:pPr marL="0" indent="0">
+              <a:buNone/>
+            </a:pPr>
+            <a:r>
+              <a:rPr lang="en-US" sz="2400" dirty="0">
+                <a:solidFill>
+                  <a:srgbClr val="000000"/>
+                </a:solidFill>
+                <a:latin typeface="Cascadia Mono" panose="020B0609020000020004" pitchFamily="49" charset="0"/>
+              </a:rPr>
+              <a:t>    </a:t>
+            </a:r>
+            <a:r>
+              <a:rPr lang="en-US" sz="2400" dirty="0">
+                <a:solidFill>
+                  <a:srgbClr val="0000FF"/>
+                </a:solidFill>
+                <a:latin typeface="Cascadia Mono" panose="020B0609020000020004" pitchFamily="49" charset="0"/>
+              </a:rPr>
+              <a:t>_</a:t>
+            </a:r>
+            <a:r>
+              <a:rPr lang="en-US" sz="2400" dirty="0">
+                <a:solidFill>
+                  <a:srgbClr val="000000"/>
+                </a:solidFill>
+                <a:latin typeface="Cascadia Mono" panose="020B0609020000020004" pitchFamily="49" charset="0"/>
+              </a:rPr>
+              <a:t> =&gt; </a:t>
+            </a:r>
+            <a:r>
+              <a:rPr lang="en-US" sz="2400" dirty="0">
+                <a:solidFill>
+                  <a:srgbClr val="0000FF"/>
+                </a:solidFill>
+                <a:latin typeface="Cascadia Mono" panose="020B0609020000020004" pitchFamily="49" charset="0"/>
+              </a:rPr>
+              <a:t>throw</a:t>
+            </a:r>
+            <a:r>
+              <a:rPr lang="en-US" sz="2400" dirty="0">
+                <a:solidFill>
+                  <a:srgbClr val="000000"/>
+                </a:solidFill>
+                <a:latin typeface="Cascadia Mono" panose="020B0609020000020004" pitchFamily="49" charset="0"/>
+              </a:rPr>
+              <a:t> </a:t>
+            </a:r>
+            <a:r>
+              <a:rPr lang="en-US" sz="2400" dirty="0">
+                <a:solidFill>
+                  <a:srgbClr val="0000FF"/>
+                </a:solidFill>
+                <a:latin typeface="Cascadia Mono" panose="020B0609020000020004" pitchFamily="49" charset="0"/>
+              </a:rPr>
+              <a:t>new</a:t>
+            </a:r>
+            <a:r>
+              <a:rPr lang="en-US" sz="2400" dirty="0">
+                <a:solidFill>
+                  <a:srgbClr val="000000"/>
+                </a:solidFill>
+                <a:latin typeface="Cascadia Mono" panose="020B0609020000020004" pitchFamily="49" charset="0"/>
+              </a:rPr>
+              <a:t> </a:t>
+            </a:r>
+            <a:r>
+              <a:rPr lang="en-US" sz="2400" dirty="0" err="1">
+                <a:solidFill>
+                  <a:srgbClr val="000000"/>
+                </a:solidFill>
+                <a:latin typeface="Cascadia Mono" panose="020B0609020000020004" pitchFamily="49" charset="0"/>
+              </a:rPr>
+              <a:t>SwitchExpressionException</a:t>
+            </a:r>
+            <a:r>
+              <a:rPr lang="en-US" sz="2400" dirty="0">
+                <a:solidFill>
+                  <a:srgbClr val="000000"/>
+                </a:solidFill>
+                <a:latin typeface="Cascadia Mono" panose="020B0609020000020004" pitchFamily="49" charset="0"/>
+              </a:rPr>
+              <a:t>()</a:t>
+            </a:r>
+          </a:p>
+          <a:p>
+            <a:pPr marL="0" indent="0">
+              <a:buNone/>
+            </a:pPr>
+            <a:r>
+              <a:rPr lang="ru-RU" sz="2400" dirty="0">
+                <a:solidFill>
+                  <a:srgbClr val="000000"/>
+                </a:solidFill>
+                <a:latin typeface="Cascadia Mono" panose="020B0609020000020004" pitchFamily="49" charset="0"/>
+              </a:rPr>
+              <a:t>};</a:t>
+            </a:r>
+            <a:endParaRPr lang="en-US" sz="3600" dirty="0"/>
+          </a:p>
+        </p:txBody>
+      </p:sp>
+      <p:sp>
+        <p:nvSpPr>
+          <p:cNvPr id="4" name="Slide Number Placeholder 3">
+            <a:extLst>
+              <a:ext uri="{FF2B5EF4-FFF2-40B4-BE49-F238E27FC236}">
+                <a16:creationId xmlns:a16="http://schemas.microsoft.com/office/drawing/2014/main" id="{4D9CE29A-CFB6-1A23-F58F-BFA9CDADBA9D}"/>
+              </a:ext>
+            </a:extLst>
+          </p:cNvPr>
+          <p:cNvSpPr>
+            <a:spLocks noGrp="1"/>
+          </p:cNvSpPr>
+          <p:nvPr>
+            <p:ph type="sldNum" sz="quarter" idx="12"/>
+          </p:nvPr>
+        </p:nvSpPr>
+        <p:spPr/>
+        <p:txBody>
+          <a:bodyPr/>
+          <a:lstStyle/>
+          <a:p>
+            <a:fld id="{608DE624-362B-4639-A974-777A24CF79CF}" type="slidenum">
+              <a:rPr lang="en-US" smtClean="0"/>
+              <a:t>64</a:t>
+            </a:fld>
+            <a:endParaRPr lang="en-US"/>
           </a:p>
         </p:txBody>
       </p:sp>
     </p:spTree>
     <p:extLst>
       <p:ext uri="{BB962C8B-B14F-4D97-AF65-F5344CB8AC3E}">
-        <p14:creationId xmlns:p14="http://schemas.microsoft.com/office/powerpoint/2010/main" val="2308103124"/>
+        <p14:creationId xmlns:p14="http://schemas.microsoft.com/office/powerpoint/2010/main" val="3475181027"/>
       </p:ext>
     </p:extLst>
   </p:cSld>
@@ -30719,18 +30909,7 @@
           <a:p>
             <a:r>
               <a:rPr lang="ru-RU" dirty="0"/>
-              <a:t>Часть </a:t>
-            </a:r>
-            <a:r>
-              <a:rPr lang="en-US" dirty="0"/>
-              <a:t>V</a:t>
-            </a:r>
-            <a:br>
-              <a:rPr lang="ru-RU" dirty="0"/>
-            </a:br>
-            <a:r>
-              <a:rPr lang="ru-RU" dirty="0"/>
-              <a:t>Тестирование</a:t>
+              <a:t>Демо</a:t>
             </a:r>
             <a:endParaRPr lang="en-US" dirty="0"/>
           </a:p>
@@ -30739,7 +30918,7 @@
     </p:spTree>
     <p:extLst>
       <p:ext uri="{BB962C8B-B14F-4D97-AF65-F5344CB8AC3E}">
-        <p14:creationId xmlns:p14="http://schemas.microsoft.com/office/powerpoint/2010/main" val="4214431030"/>
+        <p14:creationId xmlns:p14="http://schemas.microsoft.com/office/powerpoint/2010/main" val="2308103124"/>
       </p:ext>
     </p:extLst>
   </p:cSld>
@@ -30768,10 +30947,10 @@
       </p:grpSpPr>
       <p:sp>
         <p:nvSpPr>
-          <p:cNvPr id="2" name="Заголовок 1">
+          <p:cNvPr id="2" name="Title 1">
             <a:extLst>
               <a:ext uri="{FF2B5EF4-FFF2-40B4-BE49-F238E27FC236}">
-                <a16:creationId xmlns:a16="http://schemas.microsoft.com/office/drawing/2014/main" id="{8308168E-E9DA-F3C8-87BD-A07FE554526B}"/>
+                <a16:creationId xmlns:a16="http://schemas.microsoft.com/office/drawing/2014/main" id="{BB2FDE61-A067-0606-C44D-1B447508DE78}"/>
               </a:ext>
             </a:extLst>
           </p:cNvPr>
@@ -30779,150 +30958,42 @@
             <a:spLocks noGrp="1"/>
           </p:cNvSpPr>
           <p:nvPr>
-            <p:ph type="title"/>
-          </p:nvPr>
-        </p:nvSpPr>
-        <p:spPr/>
-        <p:txBody>
-          <a:bodyPr/>
-          <a:lstStyle/>
-          <a:p>
-            <a:r>
-              <a:rPr lang="ru-RU" dirty="0"/>
-              <a:t>Проблемы с тестированием</a:t>
-            </a:r>
-          </a:p>
-        </p:txBody>
-      </p:sp>
-      <p:sp>
-        <p:nvSpPr>
-          <p:cNvPr id="3" name="Объект 2">
-            <a:extLst>
-              <a:ext uri="{FF2B5EF4-FFF2-40B4-BE49-F238E27FC236}">
-                <a16:creationId xmlns:a16="http://schemas.microsoft.com/office/drawing/2014/main" id="{51BA8211-F4B7-63B0-010E-2761D6F6B0CD}"/>
-              </a:ext>
-            </a:extLst>
-          </p:cNvPr>
-          <p:cNvSpPr>
-            <a:spLocks noGrp="1"/>
-          </p:cNvSpPr>
-          <p:nvPr>
-            <p:ph idx="1"/>
-          </p:nvPr>
-        </p:nvSpPr>
-        <p:spPr/>
-        <p:txBody>
-          <a:bodyPr/>
-          <a:lstStyle/>
-          <a:p>
-            <a:pPr marL="0" indent="0">
-              <a:buNone/>
-            </a:pPr>
-            <a:r>
-              <a:rPr lang="ru-RU" dirty="0"/>
-              <a:t>Если тесты есть, то часто они бесполезные:</a:t>
-            </a:r>
-          </a:p>
-          <a:p>
-            <a:r>
-              <a:rPr lang="ru-RU" dirty="0"/>
-              <a:t>проходят на окружении, которое непонятно как разворачивается</a:t>
-            </a:r>
-          </a:p>
-          <a:p>
-            <a:r>
-              <a:rPr lang="ru-RU" dirty="0"/>
-              <a:t>проверяют правильное использование сторонних классов вместо бизнес-логики</a:t>
-            </a:r>
-          </a:p>
-          <a:p>
-            <a:pPr lvl="1"/>
-            <a:r>
-              <a:rPr lang="ru-RU" sz="2800" dirty="0"/>
-              <a:t>например, проверяют получение данных (I</a:t>
-            </a:r>
-            <a:r>
-              <a:rPr lang="en-US" sz="2800" dirty="0"/>
-              <a:t>Q</a:t>
-            </a:r>
-            <a:r>
-              <a:rPr lang="ru-RU" sz="2800" dirty="0" err="1"/>
-              <a:t>uerable</a:t>
-            </a:r>
-            <a:r>
-              <a:rPr lang="en-US" sz="2800" dirty="0"/>
-              <a:t>, </a:t>
-            </a:r>
-            <a:r>
-              <a:rPr lang="en-US" sz="2800" dirty="0" err="1"/>
-              <a:t>HttpClient</a:t>
-            </a:r>
-            <a:r>
-              <a:rPr lang="ru-RU" sz="2800" dirty="0"/>
-              <a:t>) вместо операций с этими данными</a:t>
-            </a:r>
-          </a:p>
-          <a:p>
-            <a:pPr lvl="1"/>
-            <a:r>
-              <a:rPr lang="ru-RU" sz="2800" dirty="0" err="1"/>
-              <a:t>мокают</a:t>
-            </a:r>
-            <a:r>
-              <a:rPr lang="ru-RU" sz="2800" dirty="0"/>
-              <a:t>, не учитывая особенности окружения (</a:t>
-            </a:r>
-            <a:r>
-              <a:rPr lang="ru-RU" sz="2800" dirty="0" err="1"/>
-              <a:t>InMemoryDb</a:t>
-            </a:r>
-            <a:r>
-              <a:rPr lang="ru-RU" sz="2800" dirty="0"/>
-              <a:t> вместо настоящей базы)</a:t>
-            </a:r>
-            <a:endParaRPr lang="en-US" sz="2800" dirty="0"/>
-          </a:p>
-          <a:p>
+            <p:ph type="ctrTitle"/>
+          </p:nvPr>
+        </p:nvSpPr>
+        <p:spPr>
+          <a:xfrm>
+            <a:off x="1524000" y="1384867"/>
+            <a:ext cx="9144000" cy="4088266"/>
+          </a:xfrm>
+        </p:spPr>
+        <p:txBody>
+          <a:bodyPr anchor="ctr"/>
+          <a:lstStyle/>
+          <a:p>
+            <a:r>
+              <a:rPr lang="ru-RU" dirty="0"/>
+              <a:t>Часть </a:t>
+            </a:r>
+            <a:r>
+              <a:rPr lang="en-US" dirty="0"/>
+              <a:t>V</a:t>
+            </a:r>
+            <a:br>
+              <a:rPr lang="ru-RU" dirty="0"/>
+            </a:br>
+            <a:r>
+              <a:rPr lang="ru-RU" dirty="0"/>
+              <a:t>Тестирование</a:t>
+            </a:r>
             <a:endParaRPr lang="en-US" dirty="0"/>
-          </a:p>
-          <a:p>
-            <a:endParaRPr lang="ru-RU" dirty="0"/>
-          </a:p>
-        </p:txBody>
-      </p:sp>
-      <p:sp>
-        <p:nvSpPr>
-          <p:cNvPr id="4" name="Номер слайда 3">
-            <a:extLst>
-              <a:ext uri="{FF2B5EF4-FFF2-40B4-BE49-F238E27FC236}">
-                <a16:creationId xmlns:a16="http://schemas.microsoft.com/office/drawing/2014/main" id="{0CD4E835-13D8-27B0-F9A4-B1AF988F2295}"/>
-              </a:ext>
-            </a:extLst>
-          </p:cNvPr>
-          <p:cNvSpPr>
-            <a:spLocks noGrp="1"/>
-          </p:cNvSpPr>
-          <p:nvPr>
-            <p:ph type="sldNum" sz="quarter" idx="12"/>
-          </p:nvPr>
-        </p:nvSpPr>
-        <p:spPr/>
-        <p:txBody>
-          <a:bodyPr/>
-          <a:lstStyle/>
-          <a:p>
-            <a:fld id="{F71F3365-34EC-453E-93A9-FBDCDD17CEDE}" type="slidenum">
-              <a:rPr lang="ru-RU" smtClean="0"/>
-              <a:t>66</a:t>
-            </a:fld>
-            <a:endParaRPr lang="ru-RU"/>
           </a:p>
         </p:txBody>
       </p:sp>
     </p:spTree>
     <p:extLst>
       <p:ext uri="{BB962C8B-B14F-4D97-AF65-F5344CB8AC3E}">
-        <p14:creationId xmlns:p14="http://schemas.microsoft.com/office/powerpoint/2010/main" val="253017236"/>
+        <p14:creationId xmlns:p14="http://schemas.microsoft.com/office/powerpoint/2010/main" val="4214431030"/>
       </p:ext>
     </p:extLst>
   </p:cSld>
@@ -30954,7 +31025,7 @@
           <p:cNvPr id="2" name="Заголовок 1">
             <a:extLst>
               <a:ext uri="{FF2B5EF4-FFF2-40B4-BE49-F238E27FC236}">
-                <a16:creationId xmlns:a16="http://schemas.microsoft.com/office/drawing/2014/main" id="{E75F8F5D-F5E9-F17D-E918-E7F08A6DEA94}"/>
+                <a16:creationId xmlns:a16="http://schemas.microsoft.com/office/drawing/2014/main" id="{8308168E-E9DA-F3C8-87BD-A07FE554526B}"/>
               </a:ext>
             </a:extLst>
           </p:cNvPr>
@@ -30972,7 +31043,7 @@
           <a:p>
             <a:r>
               <a:rPr lang="ru-RU" dirty="0"/>
-              <a:t>Интеграционные тесты</a:t>
+              <a:t>Проблемы с тестированием</a:t>
             </a:r>
           </a:p>
         </p:txBody>
@@ -30982,7 +31053,7 @@
           <p:cNvPr id="3" name="Объект 2">
             <a:extLst>
               <a:ext uri="{FF2B5EF4-FFF2-40B4-BE49-F238E27FC236}">
-                <a16:creationId xmlns:a16="http://schemas.microsoft.com/office/drawing/2014/main" id="{D0755AB5-0FCD-C08A-70AE-85EB6197A994}"/>
+                <a16:creationId xmlns:a16="http://schemas.microsoft.com/office/drawing/2014/main" id="{51BA8211-F4B7-63B0-010E-2761D6F6B0CD}"/>
               </a:ext>
             </a:extLst>
           </p:cNvPr>
@@ -30998,62 +31069,77 @@
           <a:bodyPr/>
           <a:lstStyle/>
           <a:p>
-            <a:r>
-              <a:rPr lang="ru-RU" dirty="0"/>
-              <a:t>Реальное окружение (БД, очереди, </a:t>
-            </a:r>
-            <a:r>
-              <a:rPr lang="en-US" dirty="0"/>
-              <a:t>…)</a:t>
-            </a:r>
-            <a:r>
-              <a:rPr lang="ru-RU" dirty="0"/>
-              <a:t> в докере</a:t>
-            </a:r>
+            <a:pPr marL="0" indent="0">
+              <a:buNone/>
+            </a:pPr>
+            <a:r>
+              <a:rPr lang="ru-RU" dirty="0"/>
+              <a:t>Если тесты есть, то часто они бесполезные:</a:t>
+            </a:r>
+          </a:p>
+          <a:p>
+            <a:r>
+              <a:rPr lang="ru-RU" dirty="0"/>
+              <a:t>проходят на окружении, которое непонятно как разворачивается</a:t>
+            </a:r>
+          </a:p>
+          <a:p>
+            <a:r>
+              <a:rPr lang="ru-RU" dirty="0"/>
+              <a:t>проверяют правильное использование сторонних классов вместо бизнес-логики</a:t>
+            </a:r>
+          </a:p>
+          <a:p>
+            <a:pPr lvl="1"/>
+            <a:r>
+              <a:rPr lang="ru-RU" sz="2800" dirty="0"/>
+              <a:t>например, проверяют получение данных (I</a:t>
+            </a:r>
+            <a:r>
+              <a:rPr lang="en-US" sz="2800" dirty="0"/>
+              <a:t>Q</a:t>
+            </a:r>
+            <a:r>
+              <a:rPr lang="ru-RU" sz="2800" dirty="0" err="1"/>
+              <a:t>uerable</a:t>
+            </a:r>
+            <a:r>
+              <a:rPr lang="en-US" sz="2800" dirty="0"/>
+              <a:t>, </a:t>
+            </a:r>
+            <a:r>
+              <a:rPr lang="en-US" sz="2800" dirty="0" err="1"/>
+              <a:t>HttpClient</a:t>
+            </a:r>
+            <a:r>
+              <a:rPr lang="ru-RU" sz="2800" dirty="0"/>
+              <a:t>) вместо операций с этими данными</a:t>
+            </a:r>
+          </a:p>
+          <a:p>
+            <a:pPr lvl="1"/>
+            <a:r>
+              <a:rPr lang="ru-RU" sz="2800" dirty="0" err="1"/>
+              <a:t>мокают</a:t>
+            </a:r>
+            <a:r>
+              <a:rPr lang="ru-RU" sz="2800" dirty="0"/>
+              <a:t>, не учитывая особенности окружения (</a:t>
+            </a:r>
+            <a:r>
+              <a:rPr lang="ru-RU" sz="2800" dirty="0" err="1"/>
+              <a:t>InMemoryDb</a:t>
+            </a:r>
+            <a:r>
+              <a:rPr lang="ru-RU" sz="2800" dirty="0"/>
+              <a:t> вместо настоящей базы)</a:t>
+            </a:r>
+            <a:endParaRPr lang="en-US" sz="2800" dirty="0"/>
+          </a:p>
+          <a:p>
             <a:endParaRPr lang="en-US" dirty="0"/>
           </a:p>
           <a:p>
-            <a:r>
-              <a:rPr lang="ru-RU" dirty="0"/>
-              <a:t>Запуск приложения в докере на </a:t>
-            </a:r>
-            <a:r>
-              <a:rPr lang="en-US" dirty="0"/>
-              <a:t>CI/CD</a:t>
-            </a:r>
-            <a:endParaRPr lang="ru-RU" dirty="0"/>
-          </a:p>
-          <a:p>
-            <a:r>
-              <a:rPr lang="ru-RU" dirty="0"/>
-              <a:t>Полный прогон </a:t>
-            </a:r>
-            <a:r>
-              <a:rPr lang="en-US" dirty="0"/>
-              <a:t>ASP.NET</a:t>
-            </a:r>
-            <a:r>
-              <a:rPr lang="ru-RU" dirty="0"/>
-              <a:t> </a:t>
-            </a:r>
-            <a:r>
-              <a:rPr lang="ru-RU" dirty="0" err="1"/>
-              <a:t>пайплайна</a:t>
-            </a:r>
-            <a:endParaRPr lang="ru-RU" dirty="0"/>
-          </a:p>
-          <a:p>
-            <a:endParaRPr lang="ru-RU" dirty="0"/>
-          </a:p>
-          <a:p>
-            <a:r>
-              <a:rPr lang="ru-RU" dirty="0"/>
-              <a:t>Не замена юнит-тестам</a:t>
-            </a:r>
-            <a:r>
-              <a:rPr lang="en-US" dirty="0"/>
-              <a:t>!</a:t>
-            </a:r>
             <a:endParaRPr lang="ru-RU" dirty="0"/>
           </a:p>
         </p:txBody>
@@ -31063,7 +31149,7 @@
           <p:cNvPr id="4" name="Номер слайда 3">
             <a:extLst>
               <a:ext uri="{FF2B5EF4-FFF2-40B4-BE49-F238E27FC236}">
-                <a16:creationId xmlns:a16="http://schemas.microsoft.com/office/drawing/2014/main" id="{C348E2C3-F0F6-8C53-B67D-06B94D62C7D9}"/>
+                <a16:creationId xmlns:a16="http://schemas.microsoft.com/office/drawing/2014/main" id="{0CD4E835-13D8-27B0-F9A4-B1AF988F2295}"/>
               </a:ext>
             </a:extLst>
           </p:cNvPr>
@@ -31090,7 +31176,7 @@
     </p:spTree>
     <p:extLst>
       <p:ext uri="{BB962C8B-B14F-4D97-AF65-F5344CB8AC3E}">
-        <p14:creationId xmlns:p14="http://schemas.microsoft.com/office/powerpoint/2010/main" val="2702859397"/>
+        <p14:creationId xmlns:p14="http://schemas.microsoft.com/office/powerpoint/2010/main" val="253017236"/>
       </p:ext>
     </p:extLst>
   </p:cSld>
@@ -31122,7 +31208,7 @@
           <p:cNvPr id="2" name="Заголовок 1">
             <a:extLst>
               <a:ext uri="{FF2B5EF4-FFF2-40B4-BE49-F238E27FC236}">
-                <a16:creationId xmlns:a16="http://schemas.microsoft.com/office/drawing/2014/main" id="{A3437E84-8AA9-40D0-70F6-C15E8782F1F0}"/>
+                <a16:creationId xmlns:a16="http://schemas.microsoft.com/office/drawing/2014/main" id="{E75F8F5D-F5E9-F17D-E918-E7F08A6DEA94}"/>
               </a:ext>
             </a:extLst>
           </p:cNvPr>
@@ -31140,7 +31226,7 @@
           <a:p>
             <a:r>
               <a:rPr lang="ru-RU" dirty="0"/>
-              <a:t>Плюсы</a:t>
+              <a:t>Интеграционные тесты</a:t>
             </a:r>
           </a:p>
         </p:txBody>
@@ -31150,7 +31236,7 @@
           <p:cNvPr id="3" name="Объект 2">
             <a:extLst>
               <a:ext uri="{FF2B5EF4-FFF2-40B4-BE49-F238E27FC236}">
-                <a16:creationId xmlns:a16="http://schemas.microsoft.com/office/drawing/2014/main" id="{DAD6B03A-D5F3-FDA6-1767-47C21C361A99}"/>
+                <a16:creationId xmlns:a16="http://schemas.microsoft.com/office/drawing/2014/main" id="{D0755AB5-0FCD-C08A-70AE-85EB6197A994}"/>
               </a:ext>
             </a:extLst>
           </p:cNvPr>
@@ -31168,34 +31254,60 @@
           <a:p>
             <a:r>
               <a:rPr lang="ru-RU" dirty="0"/>
-              <a:t>Описание окружения в репозитории </a:t>
-            </a:r>
-          </a:p>
-          <a:p>
-            <a:r>
-              <a:rPr lang="ru-RU" dirty="0"/>
-              <a:t>Можно легко разрабатывать по TDD</a:t>
-            </a:r>
-          </a:p>
-          <a:p>
-            <a:r>
-              <a:rPr lang="ru-RU" dirty="0"/>
-              <a:t>Тест-кейсы для быстрого воспроизведения бага</a:t>
+              <a:t>Реальное окружение (БД, очереди, </a:t>
+            </a:r>
+            <a:r>
+              <a:rPr lang="en-US" dirty="0"/>
+              <a:t>…)</a:t>
+            </a:r>
+            <a:r>
+              <a:rPr lang="ru-RU" dirty="0"/>
+              <a:t> в докере</a:t>
             </a:r>
             <a:endParaRPr lang="en-US" dirty="0"/>
           </a:p>
           <a:p>
             <a:r>
               <a:rPr lang="ru-RU" dirty="0"/>
-              <a:t>Примеры использования </a:t>
+              <a:t>Запуск приложения в докере на </a:t>
             </a:r>
             <a:r>
               <a:rPr lang="en-US" dirty="0"/>
-              <a:t>API</a:t>
+              <a:t>CI/CD</a:t>
             </a:r>
             <a:endParaRPr lang="ru-RU" dirty="0"/>
           </a:p>
           <a:p>
+            <a:r>
+              <a:rPr lang="ru-RU" dirty="0"/>
+              <a:t>Полный прогон </a:t>
+            </a:r>
+            <a:r>
+              <a:rPr lang="en-US" dirty="0"/>
+              <a:t>ASP.NET</a:t>
+            </a:r>
+            <a:r>
+              <a:rPr lang="ru-RU" dirty="0"/>
+              <a:t> </a:t>
+            </a:r>
+            <a:r>
+              <a:rPr lang="ru-RU" dirty="0" err="1"/>
+              <a:t>пайплайна</a:t>
+            </a:r>
+            <a:endParaRPr lang="ru-RU" dirty="0"/>
+          </a:p>
+          <a:p>
+            <a:endParaRPr lang="ru-RU" dirty="0"/>
+          </a:p>
+          <a:p>
+            <a:r>
+              <a:rPr lang="ru-RU" dirty="0"/>
+              <a:t>Не замена юнит-тестам</a:t>
+            </a:r>
+            <a:r>
+              <a:rPr lang="en-US" dirty="0"/>
+              <a:t>!</a:t>
+            </a:r>
             <a:endParaRPr lang="ru-RU" dirty="0"/>
           </a:p>
         </p:txBody>
@@ -31205,7 +31317,7 @@
           <p:cNvPr id="4" name="Номер слайда 3">
             <a:extLst>
               <a:ext uri="{FF2B5EF4-FFF2-40B4-BE49-F238E27FC236}">
-                <a16:creationId xmlns:a16="http://schemas.microsoft.com/office/drawing/2014/main" id="{56AF9C62-69C4-9148-366C-55090572A9BE}"/>
+                <a16:creationId xmlns:a16="http://schemas.microsoft.com/office/drawing/2014/main" id="{C348E2C3-F0F6-8C53-B67D-06B94D62C7D9}"/>
               </a:ext>
             </a:extLst>
           </p:cNvPr>
@@ -31232,7 +31344,7 @@
     </p:spTree>
     <p:extLst>
       <p:ext uri="{BB962C8B-B14F-4D97-AF65-F5344CB8AC3E}">
-        <p14:creationId xmlns:p14="http://schemas.microsoft.com/office/powerpoint/2010/main" val="3859123964"/>
+        <p14:creationId xmlns:p14="http://schemas.microsoft.com/office/powerpoint/2010/main" val="2702859397"/>
       </p:ext>
     </p:extLst>
   </p:cSld>
@@ -31264,7 +31376,7 @@
           <p:cNvPr id="2" name="Заголовок 1">
             <a:extLst>
               <a:ext uri="{FF2B5EF4-FFF2-40B4-BE49-F238E27FC236}">
-                <a16:creationId xmlns:a16="http://schemas.microsoft.com/office/drawing/2014/main" id="{5AE42761-AD9D-0FCD-67D2-0A788CE30173}"/>
+                <a16:creationId xmlns:a16="http://schemas.microsoft.com/office/drawing/2014/main" id="{A3437E84-8AA9-40D0-70F6-C15E8782F1F0}"/>
               </a:ext>
             </a:extLst>
           </p:cNvPr>
@@ -31282,7 +31394,7 @@
           <a:p>
             <a:r>
               <a:rPr lang="ru-RU" dirty="0"/>
-              <a:t>Минусы</a:t>
+              <a:t>Плюсы</a:t>
             </a:r>
           </a:p>
         </p:txBody>
@@ -31292,7 +31404,7 @@
           <p:cNvPr id="3" name="Объект 2">
             <a:extLst>
               <a:ext uri="{FF2B5EF4-FFF2-40B4-BE49-F238E27FC236}">
-                <a16:creationId xmlns:a16="http://schemas.microsoft.com/office/drawing/2014/main" id="{C6E95B67-2CE7-42C6-98DB-EE56690C21E2}"/>
+                <a16:creationId xmlns:a16="http://schemas.microsoft.com/office/drawing/2014/main" id="{DAD6B03A-D5F3-FDA6-1767-47C21C361A99}"/>
               </a:ext>
             </a:extLst>
           </p:cNvPr>
@@ -31310,19 +31422,35 @@
           <a:p>
             <a:r>
               <a:rPr lang="ru-RU" dirty="0"/>
-              <a:t>Тесты долго выполняются, их сложнее </a:t>
-            </a:r>
-            <a:r>
-              <a:rPr lang="ru-RU" dirty="0" err="1"/>
-              <a:t>параллелить</a:t>
+              <a:t>Описание окружения в репозитории </a:t>
+            </a:r>
+          </a:p>
+          <a:p>
+            <a:r>
+              <a:rPr lang="ru-RU" dirty="0"/>
+              <a:t>Можно легко разрабатывать по TDD</a:t>
+            </a:r>
+          </a:p>
+          <a:p>
+            <a:r>
+              <a:rPr lang="ru-RU" dirty="0"/>
+              <a:t>Тест-кейсы для быстрого воспроизведения бага</a:t>
+            </a:r>
+            <a:endParaRPr lang="en-US" dirty="0"/>
+          </a:p>
+          <a:p>
+            <a:r>
+              <a:rPr lang="ru-RU" dirty="0"/>
+              <a:t>Примеры использования </a:t>
+            </a:r>
+            <a:r>
+              <a:rPr lang="en-US" dirty="0"/>
+              <a:t>API</a:t>
             </a:r>
             <a:endParaRPr lang="ru-RU" dirty="0"/>
           </a:p>
           <a:p>
-            <a:r>
-              <a:rPr lang="ru-RU" dirty="0"/>
-              <a:t>Такие тесты сложнее и дольше писать</a:t>
-            </a:r>
+            <a:endParaRPr lang="ru-RU" dirty="0"/>
           </a:p>
         </p:txBody>
       </p:sp>
@@ -31331,7 +31459,7 @@
           <p:cNvPr id="4" name="Номер слайда 3">
             <a:extLst>
               <a:ext uri="{FF2B5EF4-FFF2-40B4-BE49-F238E27FC236}">
-                <a16:creationId xmlns:a16="http://schemas.microsoft.com/office/drawing/2014/main" id="{8442037B-D606-E7BD-8F18-C8DAE2A3F60D}"/>
+                <a16:creationId xmlns:a16="http://schemas.microsoft.com/office/drawing/2014/main" id="{56AF9C62-69C4-9148-366C-55090572A9BE}"/>
               </a:ext>
             </a:extLst>
           </p:cNvPr>
@@ -31358,7 +31486,7 @@
     </p:spTree>
     <p:extLst>
       <p:ext uri="{BB962C8B-B14F-4D97-AF65-F5344CB8AC3E}">
-        <p14:creationId xmlns:p14="http://schemas.microsoft.com/office/powerpoint/2010/main" val="2097967259"/>
+        <p14:creationId xmlns:p14="http://schemas.microsoft.com/office/powerpoint/2010/main" val="3859123964"/>
       </p:ext>
     </p:extLst>
   </p:cSld>
@@ -31519,10 +31647,10 @@
       </p:grpSpPr>
       <p:sp>
         <p:nvSpPr>
-          <p:cNvPr id="2" name="Title 1">
+          <p:cNvPr id="2" name="Заголовок 1">
             <a:extLst>
               <a:ext uri="{FF2B5EF4-FFF2-40B4-BE49-F238E27FC236}">
-                <a16:creationId xmlns:a16="http://schemas.microsoft.com/office/drawing/2014/main" id="{BB2FDE61-A067-0606-C44D-1B447508DE78}"/>
+                <a16:creationId xmlns:a16="http://schemas.microsoft.com/office/drawing/2014/main" id="{5AE42761-AD9D-0FCD-67D2-0A788CE30173}"/>
               </a:ext>
             </a:extLst>
           </p:cNvPr>
@@ -31530,31 +31658,93 @@
             <a:spLocks noGrp="1"/>
           </p:cNvSpPr>
           <p:nvPr>
-            <p:ph type="ctrTitle"/>
-          </p:nvPr>
-        </p:nvSpPr>
-        <p:spPr>
-          <a:xfrm>
-            <a:off x="1524000" y="1384867"/>
-            <a:ext cx="9144000" cy="4088266"/>
-          </a:xfrm>
-        </p:spPr>
-        <p:txBody>
-          <a:bodyPr anchor="ctr"/>
-          <a:lstStyle/>
-          <a:p>
-            <a:r>
-              <a:rPr lang="ru-RU" dirty="0"/>
-              <a:t>Демо</a:t>
-            </a:r>
-            <a:endParaRPr lang="en-US" dirty="0"/>
+            <p:ph type="title"/>
+          </p:nvPr>
+        </p:nvSpPr>
+        <p:spPr/>
+        <p:txBody>
+          <a:bodyPr/>
+          <a:lstStyle/>
+          <a:p>
+            <a:r>
+              <a:rPr lang="ru-RU" dirty="0"/>
+              <a:t>Минусы</a:t>
+            </a:r>
+          </a:p>
+        </p:txBody>
+      </p:sp>
+      <p:sp>
+        <p:nvSpPr>
+          <p:cNvPr id="3" name="Объект 2">
+            <a:extLst>
+              <a:ext uri="{FF2B5EF4-FFF2-40B4-BE49-F238E27FC236}">
+                <a16:creationId xmlns:a16="http://schemas.microsoft.com/office/drawing/2014/main" id="{C6E95B67-2CE7-42C6-98DB-EE56690C21E2}"/>
+              </a:ext>
+            </a:extLst>
+          </p:cNvPr>
+          <p:cNvSpPr>
+            <a:spLocks noGrp="1"/>
+          </p:cNvSpPr>
+          <p:nvPr>
+            <p:ph idx="1"/>
+          </p:nvPr>
+        </p:nvSpPr>
+        <p:spPr/>
+        <p:txBody>
+          <a:bodyPr/>
+          <a:lstStyle/>
+          <a:p>
+            <a:r>
+              <a:rPr lang="ru-RU" dirty="0"/>
+              <a:t>Тесты долго выполняются, их сложнее </a:t>
+            </a:r>
+            <a:r>
+              <a:rPr lang="ru-RU" dirty="0" err="1"/>
+              <a:t>параллелить</a:t>
+            </a:r>
+            <a:endParaRPr lang="ru-RU" dirty="0"/>
+          </a:p>
+          <a:p>
+            <a:r>
+              <a:rPr lang="ru-RU" dirty="0"/>
+              <a:t>Такие тесты сложнее и дольше писать</a:t>
+            </a:r>
+          </a:p>
+        </p:txBody>
+      </p:sp>
+      <p:sp>
+        <p:nvSpPr>
+          <p:cNvPr id="4" name="Номер слайда 3">
+            <a:extLst>
+              <a:ext uri="{FF2B5EF4-FFF2-40B4-BE49-F238E27FC236}">
+                <a16:creationId xmlns:a16="http://schemas.microsoft.com/office/drawing/2014/main" id="{8442037B-D606-E7BD-8F18-C8DAE2A3F60D}"/>
+              </a:ext>
+            </a:extLst>
+          </p:cNvPr>
+          <p:cNvSpPr>
+            <a:spLocks noGrp="1"/>
+          </p:cNvSpPr>
+          <p:nvPr>
+            <p:ph type="sldNum" sz="quarter" idx="12"/>
+          </p:nvPr>
+        </p:nvSpPr>
+        <p:spPr/>
+        <p:txBody>
+          <a:bodyPr/>
+          <a:lstStyle/>
+          <a:p>
+            <a:fld id="{F71F3365-34EC-453E-93A9-FBDCDD17CEDE}" type="slidenum">
+              <a:rPr lang="ru-RU" smtClean="0"/>
+              <a:t>70</a:t>
+            </a:fld>
+            <a:endParaRPr lang="ru-RU"/>
           </a:p>
         </p:txBody>
       </p:sp>
     </p:spTree>
     <p:extLst>
       <p:ext uri="{BB962C8B-B14F-4D97-AF65-F5344CB8AC3E}">
-        <p14:creationId xmlns:p14="http://schemas.microsoft.com/office/powerpoint/2010/main" val="578367868"/>
+        <p14:creationId xmlns:p14="http://schemas.microsoft.com/office/powerpoint/2010/main" val="2097967259"/>
       </p:ext>
     </p:extLst>
   </p:cSld>
@@ -31609,18 +31799,7 @@
           <a:p>
             <a:r>
               <a:rPr lang="ru-RU" dirty="0"/>
-              <a:t>Часть </a:t>
-            </a:r>
-            <a:r>
-              <a:rPr lang="en-US" dirty="0"/>
-              <a:t>VI</a:t>
-            </a:r>
-            <a:br>
-              <a:rPr lang="ru-RU" dirty="0"/>
-            </a:br>
-            <a:r>
-              <a:rPr lang="ru-RU" dirty="0"/>
-              <a:t>Заключение</a:t>
+              <a:t>Демо</a:t>
             </a:r>
             <a:endParaRPr lang="en-US" dirty="0"/>
           </a:p>
@@ -31629,7 +31808,7 @@
     </p:spTree>
     <p:extLst>
       <p:ext uri="{BB962C8B-B14F-4D97-AF65-F5344CB8AC3E}">
-        <p14:creationId xmlns:p14="http://schemas.microsoft.com/office/powerpoint/2010/main" val="434948484"/>
+        <p14:creationId xmlns:p14="http://schemas.microsoft.com/office/powerpoint/2010/main" val="578367868"/>
       </p:ext>
     </p:extLst>
   </p:cSld>
@@ -31658,10 +31837,10 @@
       </p:grpSpPr>
       <p:sp>
         <p:nvSpPr>
-          <p:cNvPr id="2" name="Заголовок 1">
+          <p:cNvPr id="2" name="Title 1">
             <a:extLst>
               <a:ext uri="{FF2B5EF4-FFF2-40B4-BE49-F238E27FC236}">
-                <a16:creationId xmlns:a16="http://schemas.microsoft.com/office/drawing/2014/main" id="{26956F21-950B-F902-0447-6998F4533C02}"/>
+                <a16:creationId xmlns:a16="http://schemas.microsoft.com/office/drawing/2014/main" id="{BB2FDE61-A067-0606-C44D-1B447508DE78}"/>
               </a:ext>
             </a:extLst>
           </p:cNvPr>
@@ -31669,106 +31848,42 @@
             <a:spLocks noGrp="1"/>
           </p:cNvSpPr>
           <p:nvPr>
-            <p:ph type="title"/>
-          </p:nvPr>
-        </p:nvSpPr>
-        <p:spPr/>
-        <p:txBody>
-          <a:bodyPr/>
-          <a:lstStyle/>
-          <a:p>
-            <a:r>
-              <a:rPr lang="ru-RU" dirty="0"/>
-              <a:t>О чем сегодня поговорили</a:t>
-            </a:r>
-          </a:p>
-        </p:txBody>
-      </p:sp>
-      <p:sp>
-        <p:nvSpPr>
-          <p:cNvPr id="3" name="Объект 2">
-            <a:extLst>
-              <a:ext uri="{FF2B5EF4-FFF2-40B4-BE49-F238E27FC236}">
-                <a16:creationId xmlns:a16="http://schemas.microsoft.com/office/drawing/2014/main" id="{3E921D6B-5A16-66C2-7BE0-B4A23045F717}"/>
-              </a:ext>
-            </a:extLst>
-          </p:cNvPr>
-          <p:cNvSpPr>
-            <a:spLocks noGrp="1"/>
-          </p:cNvSpPr>
-          <p:nvPr>
-            <p:ph idx="1"/>
-          </p:nvPr>
-        </p:nvSpPr>
-        <p:spPr/>
-        <p:txBody>
-          <a:bodyPr/>
-          <a:lstStyle/>
-          <a:p>
-            <a:r>
-              <a:rPr lang="ru-RU" dirty="0"/>
-              <a:t>Архитектура приложений</a:t>
-            </a:r>
-          </a:p>
-          <a:p>
-            <a:r>
-              <a:rPr lang="ru-RU" dirty="0"/>
-              <a:t>Стратегические и тактические паттерны</a:t>
-            </a:r>
-          </a:p>
-          <a:p>
-            <a:r>
-              <a:rPr lang="ru-RU" dirty="0"/>
-              <a:t>Обработка ошибок</a:t>
-            </a:r>
-          </a:p>
-          <a:p>
-            <a:r>
-              <a:rPr lang="ru-RU" dirty="0"/>
-              <a:t>Тестирование</a:t>
-            </a:r>
-          </a:p>
-          <a:p>
-            <a:endParaRPr lang="ru-RU" dirty="0"/>
-          </a:p>
-          <a:p>
-            <a:endParaRPr lang="ru-RU" dirty="0"/>
-          </a:p>
-        </p:txBody>
-      </p:sp>
-      <p:sp>
-        <p:nvSpPr>
-          <p:cNvPr id="4" name="Номер слайда 3">
-            <a:extLst>
-              <a:ext uri="{FF2B5EF4-FFF2-40B4-BE49-F238E27FC236}">
-                <a16:creationId xmlns:a16="http://schemas.microsoft.com/office/drawing/2014/main" id="{970DE908-8CBB-7D63-52E1-8B6E08D834F9}"/>
-              </a:ext>
-            </a:extLst>
-          </p:cNvPr>
-          <p:cNvSpPr>
-            <a:spLocks noGrp="1"/>
-          </p:cNvSpPr>
-          <p:nvPr>
-            <p:ph type="sldNum" sz="quarter" idx="12"/>
-          </p:nvPr>
-        </p:nvSpPr>
-        <p:spPr/>
-        <p:txBody>
-          <a:bodyPr/>
-          <a:lstStyle/>
-          <a:p>
-            <a:fld id="{F71F3365-34EC-453E-93A9-FBDCDD17CEDE}" type="slidenum">
-              <a:rPr lang="ru-RU" smtClean="0"/>
-              <a:t>72</a:t>
-            </a:fld>
-            <a:endParaRPr lang="ru-RU"/>
+            <p:ph type="ctrTitle"/>
+          </p:nvPr>
+        </p:nvSpPr>
+        <p:spPr>
+          <a:xfrm>
+            <a:off x="1524000" y="1384867"/>
+            <a:ext cx="9144000" cy="4088266"/>
+          </a:xfrm>
+        </p:spPr>
+        <p:txBody>
+          <a:bodyPr anchor="ctr"/>
+          <a:lstStyle/>
+          <a:p>
+            <a:r>
+              <a:rPr lang="ru-RU" dirty="0"/>
+              <a:t>Часть </a:t>
+            </a:r>
+            <a:r>
+              <a:rPr lang="en-US" dirty="0"/>
+              <a:t>VI</a:t>
+            </a:r>
+            <a:br>
+              <a:rPr lang="ru-RU" dirty="0"/>
+            </a:br>
+            <a:r>
+              <a:rPr lang="ru-RU" dirty="0"/>
+              <a:t>Заключение</a:t>
+            </a:r>
+            <a:endParaRPr lang="en-US" dirty="0"/>
           </a:p>
         </p:txBody>
       </p:sp>
     </p:spTree>
     <p:extLst>
       <p:ext uri="{BB962C8B-B14F-4D97-AF65-F5344CB8AC3E}">
-        <p14:creationId xmlns:p14="http://schemas.microsoft.com/office/powerpoint/2010/main" val="3698641738"/>
+        <p14:creationId xmlns:p14="http://schemas.microsoft.com/office/powerpoint/2010/main" val="434948484"/>
       </p:ext>
     </p:extLst>
   </p:cSld>
@@ -31800,7 +31915,7 @@
           <p:cNvPr id="2" name="Заголовок 1">
             <a:extLst>
               <a:ext uri="{FF2B5EF4-FFF2-40B4-BE49-F238E27FC236}">
-                <a16:creationId xmlns:a16="http://schemas.microsoft.com/office/drawing/2014/main" id="{5D86F730-0679-E82B-180C-06471E50CA41}"/>
+                <a16:creationId xmlns:a16="http://schemas.microsoft.com/office/drawing/2014/main" id="{26956F21-950B-F902-0447-6998F4533C02}"/>
               </a:ext>
             </a:extLst>
           </p:cNvPr>
@@ -31818,7 +31933,7 @@
           <a:p>
             <a:r>
               <a:rPr lang="ru-RU" dirty="0"/>
-              <a:t>Выводы</a:t>
+              <a:t>О чем сегодня поговорили</a:t>
             </a:r>
           </a:p>
         </p:txBody>
@@ -31828,7 +31943,7 @@
           <p:cNvPr id="3" name="Объект 2">
             <a:extLst>
               <a:ext uri="{FF2B5EF4-FFF2-40B4-BE49-F238E27FC236}">
-                <a16:creationId xmlns:a16="http://schemas.microsoft.com/office/drawing/2014/main" id="{E530BEA7-69F6-D3E9-71A3-89870DB8A4F9}"/>
+                <a16:creationId xmlns:a16="http://schemas.microsoft.com/office/drawing/2014/main" id="{3E921D6B-5A16-66C2-7BE0-B4A23045F717}"/>
               </a:ext>
             </a:extLst>
           </p:cNvPr>
@@ -31844,14 +31959,34 @@
           <a:bodyPr/>
           <a:lstStyle/>
           <a:p>
-            <a:pPr marL="0" indent="0">
-              <a:buNone/>
-            </a:pPr>
-            <a:r>
-              <a:rPr lang="ru-RU" dirty="0"/>
-              <a:t>Делать проще и явно!</a:t>
-            </a:r>
-            <a:endParaRPr lang="ru-RU" strike="sngStrike" dirty="0"/>
+            <a:r>
+              <a:rPr lang="ru-RU" dirty="0"/>
+              <a:t>Архитектура приложений</a:t>
+            </a:r>
+          </a:p>
+          <a:p>
+            <a:r>
+              <a:rPr lang="ru-RU" dirty="0"/>
+              <a:t>Стратегические и тактические паттерны</a:t>
+            </a:r>
+          </a:p>
+          <a:p>
+            <a:r>
+              <a:rPr lang="ru-RU" dirty="0"/>
+              <a:t>Обработка ошибок</a:t>
+            </a:r>
+          </a:p>
+          <a:p>
+            <a:r>
+              <a:rPr lang="ru-RU" dirty="0"/>
+              <a:t>Тестирование</a:t>
+            </a:r>
+          </a:p>
+          <a:p>
+            <a:endParaRPr lang="ru-RU" dirty="0"/>
+          </a:p>
+          <a:p>
+            <a:endParaRPr lang="ru-RU" dirty="0"/>
           </a:p>
         </p:txBody>
       </p:sp>
@@ -31860,7 +31995,7 @@
           <p:cNvPr id="4" name="Номер слайда 3">
             <a:extLst>
               <a:ext uri="{FF2B5EF4-FFF2-40B4-BE49-F238E27FC236}">
-                <a16:creationId xmlns:a16="http://schemas.microsoft.com/office/drawing/2014/main" id="{F597FE50-959A-2BF4-212F-045737DD0412}"/>
+                <a16:creationId xmlns:a16="http://schemas.microsoft.com/office/drawing/2014/main" id="{970DE908-8CBB-7D63-52E1-8B6E08D834F9}"/>
               </a:ext>
             </a:extLst>
           </p:cNvPr>
@@ -31887,7 +32022,7 @@
     </p:spTree>
     <p:extLst>
       <p:ext uri="{BB962C8B-B14F-4D97-AF65-F5344CB8AC3E}">
-        <p14:creationId xmlns:p14="http://schemas.microsoft.com/office/powerpoint/2010/main" val="2739242102"/>
+        <p14:creationId xmlns:p14="http://schemas.microsoft.com/office/powerpoint/2010/main" val="3698641738"/>
       </p:ext>
     </p:extLst>
   </p:cSld>
@@ -31919,6 +32054,125 @@
           <p:cNvPr id="2" name="Заголовок 1">
             <a:extLst>
               <a:ext uri="{FF2B5EF4-FFF2-40B4-BE49-F238E27FC236}">
+                <a16:creationId xmlns:a16="http://schemas.microsoft.com/office/drawing/2014/main" id="{5D86F730-0679-E82B-180C-06471E50CA41}"/>
+              </a:ext>
+            </a:extLst>
+          </p:cNvPr>
+          <p:cNvSpPr>
+            <a:spLocks noGrp="1"/>
+          </p:cNvSpPr>
+          <p:nvPr>
+            <p:ph type="title"/>
+          </p:nvPr>
+        </p:nvSpPr>
+        <p:spPr/>
+        <p:txBody>
+          <a:bodyPr/>
+          <a:lstStyle/>
+          <a:p>
+            <a:r>
+              <a:rPr lang="ru-RU" dirty="0"/>
+              <a:t>Выводы</a:t>
+            </a:r>
+          </a:p>
+        </p:txBody>
+      </p:sp>
+      <p:sp>
+        <p:nvSpPr>
+          <p:cNvPr id="3" name="Объект 2">
+            <a:extLst>
+              <a:ext uri="{FF2B5EF4-FFF2-40B4-BE49-F238E27FC236}">
+                <a16:creationId xmlns:a16="http://schemas.microsoft.com/office/drawing/2014/main" id="{E530BEA7-69F6-D3E9-71A3-89870DB8A4F9}"/>
+              </a:ext>
+            </a:extLst>
+          </p:cNvPr>
+          <p:cNvSpPr>
+            <a:spLocks noGrp="1"/>
+          </p:cNvSpPr>
+          <p:nvPr>
+            <p:ph idx="1"/>
+          </p:nvPr>
+        </p:nvSpPr>
+        <p:spPr/>
+        <p:txBody>
+          <a:bodyPr/>
+          <a:lstStyle/>
+          <a:p>
+            <a:pPr marL="0" indent="0">
+              <a:buNone/>
+            </a:pPr>
+            <a:r>
+              <a:rPr lang="ru-RU" dirty="0"/>
+              <a:t>Делать проще и явно!</a:t>
+            </a:r>
+            <a:endParaRPr lang="ru-RU" strike="sngStrike" dirty="0"/>
+          </a:p>
+        </p:txBody>
+      </p:sp>
+      <p:sp>
+        <p:nvSpPr>
+          <p:cNvPr id="4" name="Номер слайда 3">
+            <a:extLst>
+              <a:ext uri="{FF2B5EF4-FFF2-40B4-BE49-F238E27FC236}">
+                <a16:creationId xmlns:a16="http://schemas.microsoft.com/office/drawing/2014/main" id="{F597FE50-959A-2BF4-212F-045737DD0412}"/>
+              </a:ext>
+            </a:extLst>
+          </p:cNvPr>
+          <p:cNvSpPr>
+            <a:spLocks noGrp="1"/>
+          </p:cNvSpPr>
+          <p:nvPr>
+            <p:ph type="sldNum" sz="quarter" idx="12"/>
+          </p:nvPr>
+        </p:nvSpPr>
+        <p:spPr/>
+        <p:txBody>
+          <a:bodyPr/>
+          <a:lstStyle/>
+          <a:p>
+            <a:fld id="{F71F3365-34EC-453E-93A9-FBDCDD17CEDE}" type="slidenum">
+              <a:rPr lang="ru-RU" smtClean="0"/>
+              <a:t>74</a:t>
+            </a:fld>
+            <a:endParaRPr lang="ru-RU"/>
+          </a:p>
+        </p:txBody>
+      </p:sp>
+    </p:spTree>
+    <p:extLst>
+      <p:ext uri="{BB962C8B-B14F-4D97-AF65-F5344CB8AC3E}">
+        <p14:creationId xmlns:p14="http://schemas.microsoft.com/office/powerpoint/2010/main" val="2739242102"/>
+      </p:ext>
+    </p:extLst>
+  </p:cSld>
+  <p:clrMapOvr>
+    <a:masterClrMapping/>
+  </p:clrMapOvr>
+</p:sld>
+</file>
+
+<file path=ppt/slides/slide75.xml><?xml version="1.0" encoding="utf-8"?>
+<p:sld xmlns:a="http://schemas.openxmlformats.org/drawingml/2006/main" xmlns:r="http://schemas.openxmlformats.org/officeDocument/2006/relationships" xmlns:p="http://schemas.openxmlformats.org/presentationml/2006/main">
+  <p:cSld>
+    <p:spTree>
+      <p:nvGrpSpPr>
+        <p:cNvPr id="1" name=""/>
+        <p:cNvGrpSpPr/>
+        <p:nvPr/>
+      </p:nvGrpSpPr>
+      <p:grpSpPr>
+        <a:xfrm>
+          <a:off x="0" y="0"/>
+          <a:ext cx="0" cy="0"/>
+          <a:chOff x="0" y="0"/>
+          <a:chExt cx="0" cy="0"/>
+        </a:xfrm>
+      </p:grpSpPr>
+      <p:sp>
+        <p:nvSpPr>
+          <p:cNvPr id="2" name="Заголовок 1">
+            <a:extLst>
+              <a:ext uri="{FF2B5EF4-FFF2-40B4-BE49-F238E27FC236}">
                 <a16:creationId xmlns:a16="http://schemas.microsoft.com/office/drawing/2014/main" id="{C5486DEF-1410-52A0-2622-951DD19C82A0}"/>
               </a:ext>
             </a:extLst>
@@ -32008,7 +32262,7 @@
           <a:p>
             <a:fld id="{F71F3365-34EC-453E-93A9-FBDCDD17CEDE}" type="slidenum">
               <a:rPr lang="ru-RU" smtClean="0"/>
-              <a:t>74</a:t>
+              <a:t>75</a:t>
             </a:fld>
             <a:endParaRPr lang="ru-RU"/>
           </a:p>
